--- a/ITI/TF/Volume1/media/Figure_3.3-3.pptx
+++ b/ITI/TF/Volume1/media/Figure_3.3-3.pptx
@@ -104,6 +104,11 @@
       </a:defRPr>
     </a:lvl9pPr>
   </p:defaultTextStyle>
+  <p:extLst>
+    <p:ext uri="{EFAFB233-063F-42B5-8137-9DF3F51BA10A}">
+      <p15:sldGuideLst xmlns:p15="http://schemas.microsoft.com/office/powerpoint/2012/main"/>
+    </p:ext>
+  </p:extLst>
 </p:presentation>
 </file>
 
@@ -254,7 +259,7 @@
           <a:p>
             <a:fld id="{5D5AEACF-486E-F140-85F2-22B7DDB1864D}" type="datetimeFigureOut">
               <a:rPr lang="en-US" smtClean="0"/>
-              <a:t>8/10/20</a:t>
+              <a:t>8/26/20</a:t>
             </a:fld>
             <a:endParaRPr lang="en-US"/>
           </a:p>
@@ -452,7 +457,7 @@
           <a:p>
             <a:fld id="{5D5AEACF-486E-F140-85F2-22B7DDB1864D}" type="datetimeFigureOut">
               <a:rPr lang="en-US" smtClean="0"/>
-              <a:t>8/10/20</a:t>
+              <a:t>8/26/20</a:t>
             </a:fld>
             <a:endParaRPr lang="en-US"/>
           </a:p>
@@ -660,7 +665,7 @@
           <a:p>
             <a:fld id="{5D5AEACF-486E-F140-85F2-22B7DDB1864D}" type="datetimeFigureOut">
               <a:rPr lang="en-US" smtClean="0"/>
-              <a:t>8/10/20</a:t>
+              <a:t>8/26/20</a:t>
             </a:fld>
             <a:endParaRPr lang="en-US"/>
           </a:p>
@@ -858,7 +863,7 @@
           <a:p>
             <a:fld id="{5D5AEACF-486E-F140-85F2-22B7DDB1864D}" type="datetimeFigureOut">
               <a:rPr lang="en-US" smtClean="0"/>
-              <a:t>8/10/20</a:t>
+              <a:t>8/26/20</a:t>
             </a:fld>
             <a:endParaRPr lang="en-US"/>
           </a:p>
@@ -1133,7 +1138,7 @@
           <a:p>
             <a:fld id="{5D5AEACF-486E-F140-85F2-22B7DDB1864D}" type="datetimeFigureOut">
               <a:rPr lang="en-US" smtClean="0"/>
-              <a:t>8/10/20</a:t>
+              <a:t>8/26/20</a:t>
             </a:fld>
             <a:endParaRPr lang="en-US"/>
           </a:p>
@@ -1398,7 +1403,7 @@
           <a:p>
             <a:fld id="{5D5AEACF-486E-F140-85F2-22B7DDB1864D}" type="datetimeFigureOut">
               <a:rPr lang="en-US" smtClean="0"/>
-              <a:t>8/10/20</a:t>
+              <a:t>8/26/20</a:t>
             </a:fld>
             <a:endParaRPr lang="en-US"/>
           </a:p>
@@ -1810,7 +1815,7 @@
           <a:p>
             <a:fld id="{5D5AEACF-486E-F140-85F2-22B7DDB1864D}" type="datetimeFigureOut">
               <a:rPr lang="en-US" smtClean="0"/>
-              <a:t>8/10/20</a:t>
+              <a:t>8/26/20</a:t>
             </a:fld>
             <a:endParaRPr lang="en-US"/>
           </a:p>
@@ -1951,7 +1956,7 @@
           <a:p>
             <a:fld id="{5D5AEACF-486E-F140-85F2-22B7DDB1864D}" type="datetimeFigureOut">
               <a:rPr lang="en-US" smtClean="0"/>
-              <a:t>8/10/20</a:t>
+              <a:t>8/26/20</a:t>
             </a:fld>
             <a:endParaRPr lang="en-US"/>
           </a:p>
@@ -2064,7 +2069,7 @@
           <a:p>
             <a:fld id="{5D5AEACF-486E-F140-85F2-22B7DDB1864D}" type="datetimeFigureOut">
               <a:rPr lang="en-US" smtClean="0"/>
-              <a:t>8/10/20</a:t>
+              <a:t>8/26/20</a:t>
             </a:fld>
             <a:endParaRPr lang="en-US"/>
           </a:p>
@@ -2375,7 +2380,7 @@
           <a:p>
             <a:fld id="{5D5AEACF-486E-F140-85F2-22B7DDB1864D}" type="datetimeFigureOut">
               <a:rPr lang="en-US" smtClean="0"/>
-              <a:t>8/10/20</a:t>
+              <a:t>8/26/20</a:t>
             </a:fld>
             <a:endParaRPr lang="en-US"/>
           </a:p>
@@ -2663,7 +2668,7 @@
           <a:p>
             <a:fld id="{5D5AEACF-486E-F140-85F2-22B7DDB1864D}" type="datetimeFigureOut">
               <a:rPr lang="en-US" smtClean="0"/>
-              <a:t>8/10/20</a:t>
+              <a:t>8/26/20</a:t>
             </a:fld>
             <a:endParaRPr lang="en-US"/>
           </a:p>
@@ -2904,7 +2909,7 @@
           <a:p>
             <a:fld id="{5D5AEACF-486E-F140-85F2-22B7DDB1864D}" type="datetimeFigureOut">
               <a:rPr lang="en-US" smtClean="0"/>
-              <a:t>8/10/20</a:t>
+              <a:t>8/26/20</a:t>
             </a:fld>
             <a:endParaRPr lang="en-US"/>
           </a:p>
@@ -3337,7 +3342,7 @@
         </p:nvSpPr>
         <p:spPr bwMode="auto">
           <a:xfrm>
-            <a:off x="827088" y="466725"/>
+            <a:off x="827088" y="410970"/>
             <a:ext cx="954087" cy="320675"/>
           </a:xfrm>
           <a:prstGeom prst="rect">
@@ -3386,7 +3391,7 @@
               <a:buNone/>
               <a:tabLst/>
             </a:pPr>
-            <a:endParaRPr kumimoji="0" lang="fr-FR" altLang="en-US" sz="1000" b="0" i="0" u="none" strike="noStrike" cap="none" normalizeH="0" baseline="0">
+            <a:endParaRPr kumimoji="0" lang="fr-FR" altLang="en-US" sz="1000" b="0" i="0" u="none" strike="noStrike" cap="none" normalizeH="0" baseline="0" dirty="0">
               <a:ln>
                 <a:noFill/>
               </a:ln>
@@ -3416,7 +3421,7 @@
               <a:tabLst/>
             </a:pPr>
             <a:r>
-              <a:rPr kumimoji="0" lang="fr-FR" altLang="en-US" sz="1000" b="0" i="0" u="none" strike="noStrike" cap="none" normalizeH="0" baseline="0">
+              <a:rPr kumimoji="0" lang="fr-FR" altLang="en-US" sz="1000" b="0" i="0" u="none" strike="noStrike" cap="none" normalizeH="0" baseline="0" dirty="0">
                 <a:ln>
                   <a:noFill/>
                 </a:ln>
@@ -3430,7 +3435,7 @@
               <a:t>     Information</a:t>
             </a:r>
             <a:br>
-              <a:rPr kumimoji="0" lang="fr-FR" altLang="en-US" sz="1000" b="0" i="0" u="none" strike="noStrike" cap="none" normalizeH="0" baseline="0">
+              <a:rPr kumimoji="0" lang="fr-FR" altLang="en-US" sz="1000" b="0" i="0" u="none" strike="noStrike" cap="none" normalizeH="0" baseline="0" dirty="0">
                 <a:ln>
                   <a:noFill/>
                 </a:ln>
@@ -3443,7 +3448,7 @@
               </a:rPr>
             </a:br>
             <a:r>
-              <a:rPr kumimoji="0" lang="fr-FR" altLang="en-US" sz="1000" b="0" i="0" u="none" strike="noStrike" cap="none" normalizeH="0" baseline="0">
+              <a:rPr kumimoji="0" lang="fr-FR" altLang="en-US" sz="1000" b="0" i="0" u="none" strike="noStrike" cap="none" normalizeH="0" baseline="0" dirty="0">
                 <a:ln>
                   <a:noFill/>
                 </a:ln>
@@ -3456,7 +3461,7 @@
               </a:rPr>
               <a:t>        Source </a:t>
             </a:r>
-            <a:endParaRPr kumimoji="0" lang="fr-FR" altLang="en-US" sz="1800" b="0" i="0" u="none" strike="noStrike" cap="none" normalizeH="0" baseline="0">
+            <a:endParaRPr kumimoji="0" lang="fr-FR" altLang="en-US" sz="1800" b="0" i="0" u="none" strike="noStrike" cap="none" normalizeH="0" baseline="0" dirty="0">
               <a:ln>
                 <a:noFill/>
               </a:ln>
@@ -3710,8 +3715,469 @@
         </p:nvSpPr>
         <p:spPr bwMode="auto">
           <a:xfrm>
-            <a:off x="3876675" y="1031875"/>
+            <a:off x="3932430" y="1031875"/>
             <a:ext cx="989013" cy="457200"/>
+          </a:xfrm>
+          <a:prstGeom prst="rect">
+            <a:avLst/>
+          </a:prstGeom>
+          <a:solidFill>
+            <a:srgbClr val="FFFFFF"/>
+          </a:solidFill>
+          <a:ln>
+            <a:noFill/>
+          </a:ln>
+          <a:extLst>
+            <a:ext uri="{91240B29-F687-4F45-9708-019B960494DF}">
+              <a14:hiddenLine xmlns:a14="http://schemas.microsoft.com/office/drawing/2010/main" w="9525">
+                <a:solidFill>
+                  <a:srgbClr val="000000"/>
+                </a:solidFill>
+                <a:miter lim="800000"/>
+                <a:headEnd/>
+                <a:tailEnd/>
+              </a14:hiddenLine>
+            </a:ext>
+          </a:extLst>
+        </p:spPr>
+        <p:txBody>
+          <a:bodyPr vert="horz" wrap="square" lIns="0" tIns="0" rIns="0" bIns="0" numCol="1" anchor="t" anchorCtr="0" compatLnSpc="1">
+            <a:prstTxWarp prst="textNoShape">
+              <a:avLst/>
+            </a:prstTxWarp>
+          </a:bodyPr>
+          <a:lstStyle/>
+          <a:p>
+            <a:pPr marL="0" marR="0" lvl="0" indent="0" algn="l" defTabSz="914400" rtl="0" eaLnBrk="0" fontAlgn="base" latinLnBrk="0" hangingPunct="0">
+              <a:lnSpc>
+                <a:spcPct val="100000"/>
+              </a:lnSpc>
+              <a:spcBef>
+                <a:spcPct val="0"/>
+              </a:spcBef>
+              <a:spcAft>
+                <a:spcPct val="0"/>
+              </a:spcAft>
+              <a:buClrTx/>
+              <a:buSzTx/>
+              <a:buFontTx/>
+              <a:buNone/>
+              <a:tabLst/>
+            </a:pPr>
+            <a:r>
+              <a:rPr kumimoji="0" lang="en-US" altLang="en-US" sz="1000" b="0" i="1" u="none" strike="noStrike" cap="none" normalizeH="0" baseline="0" dirty="0">
+                <a:ln>
+                  <a:noFill/>
+                </a:ln>
+                <a:solidFill>
+                  <a:schemeClr val="tx1"/>
+                </a:solidFill>
+                <a:effectLst/>
+                <a:latin typeface="Times New Roman" panose="02020603050405020304" pitchFamily="18" charset="0"/>
+                <a:ea typeface="Times New Roman" panose="02020603050405020304" pitchFamily="18" charset="0"/>
+                <a:cs typeface="Times New Roman" panose="02020603050405020304" pitchFamily="18" charset="0"/>
+              </a:rPr>
+              <a:t>User Requests</a:t>
+            </a:r>
+            <a:br>
+              <a:rPr kumimoji="0" lang="en-US" altLang="en-US" sz="1000" b="0" i="1" u="none" strike="noStrike" cap="none" normalizeH="0" baseline="0" dirty="0">
+                <a:ln>
+                  <a:noFill/>
+                </a:ln>
+                <a:solidFill>
+                  <a:schemeClr val="tx1"/>
+                </a:solidFill>
+                <a:effectLst/>
+                <a:latin typeface="Times New Roman" panose="02020603050405020304" pitchFamily="18" charset="0"/>
+                <a:ea typeface="Times New Roman" panose="02020603050405020304" pitchFamily="18" charset="0"/>
+                <a:cs typeface="Times New Roman" panose="02020603050405020304" pitchFamily="18" charset="0"/>
+              </a:rPr>
+            </a:br>
+            <a:r>
+              <a:rPr kumimoji="0" lang="en-US" altLang="en-US" sz="1000" b="0" i="1" u="none" strike="noStrike" cap="none" normalizeH="0" baseline="0" dirty="0">
+                <a:ln>
+                  <a:noFill/>
+                </a:ln>
+                <a:solidFill>
+                  <a:schemeClr val="tx1"/>
+                </a:solidFill>
+                <a:effectLst/>
+                <a:latin typeface="Times New Roman" panose="02020603050405020304" pitchFamily="18" charset="0"/>
+                <a:ea typeface="Times New Roman" panose="02020603050405020304" pitchFamily="18" charset="0"/>
+                <a:cs typeface="Times New Roman" panose="02020603050405020304" pitchFamily="18" charset="0"/>
+              </a:rPr>
+              <a:t>Information on a patient </a:t>
+            </a:r>
+            <a:endParaRPr kumimoji="0" lang="en-US" altLang="en-US" sz="1800" b="0" i="0" u="none" strike="noStrike" cap="none" normalizeH="0" baseline="0" dirty="0">
+              <a:ln>
+                <a:noFill/>
+              </a:ln>
+              <a:solidFill>
+                <a:schemeClr val="tx1"/>
+              </a:solidFill>
+              <a:effectLst/>
+              <a:latin typeface="Times New Roman" panose="02020603050405020304" pitchFamily="18" charset="0"/>
+              <a:cs typeface="Times New Roman" panose="02020603050405020304" pitchFamily="18" charset="0"/>
+            </a:endParaRPr>
+          </a:p>
+        </p:txBody>
+      </p:sp>
+      <p:sp>
+        <p:nvSpPr>
+          <p:cNvPr id="9" name="Rectangle 45">
+            <a:extLst>
+              <a:ext uri="{FF2B5EF4-FFF2-40B4-BE49-F238E27FC236}">
+                <a16:creationId xmlns:a16="http://schemas.microsoft.com/office/drawing/2014/main" id="{1BB68FC0-9C93-8243-8BDD-43CF7875DA9D}"/>
+              </a:ext>
+            </a:extLst>
+          </p:cNvPr>
+          <p:cNvSpPr>
+            <a:spLocks noChangeArrowheads="1"/>
+          </p:cNvSpPr>
+          <p:nvPr/>
+        </p:nvSpPr>
+        <p:spPr bwMode="auto">
+          <a:xfrm>
+            <a:off x="1171575" y="1081088"/>
+            <a:ext cx="182563" cy="741362"/>
+          </a:xfrm>
+          <a:prstGeom prst="rect">
+            <a:avLst/>
+          </a:prstGeom>
+          <a:solidFill>
+            <a:srgbClr val="FFFFFF"/>
+          </a:solidFill>
+          <a:ln w="9525">
+            <a:solidFill>
+              <a:srgbClr val="000000"/>
+            </a:solidFill>
+            <a:miter lim="800000"/>
+            <a:headEnd/>
+            <a:tailEnd/>
+          </a:ln>
+        </p:spPr>
+        <p:txBody>
+          <a:bodyPr vert="horz" wrap="square" lIns="91440" tIns="45720" rIns="91440" bIns="45720" numCol="1" anchor="t" anchorCtr="0" compatLnSpc="1">
+            <a:prstTxWarp prst="textNoShape">
+              <a:avLst/>
+            </a:prstTxWarp>
+          </a:bodyPr>
+          <a:lstStyle/>
+          <a:p>
+            <a:endParaRPr lang="en-US"/>
+          </a:p>
+        </p:txBody>
+      </p:sp>
+      <p:sp>
+        <p:nvSpPr>
+          <p:cNvPr id="10" name="Text Box 44">
+            <a:extLst>
+              <a:ext uri="{FF2B5EF4-FFF2-40B4-BE49-F238E27FC236}">
+                <a16:creationId xmlns:a16="http://schemas.microsoft.com/office/drawing/2014/main" id="{B8B2C2F6-B784-8846-A92E-5853100B1F82}"/>
+              </a:ext>
+            </a:extLst>
+          </p:cNvPr>
+          <p:cNvSpPr txBox="1">
+            <a:spLocks noChangeArrowheads="1"/>
+          </p:cNvSpPr>
+          <p:nvPr/>
+        </p:nvSpPr>
+        <p:spPr bwMode="auto">
+          <a:xfrm>
+            <a:off x="1749425" y="1165225"/>
+            <a:ext cx="1397000" cy="342900"/>
+          </a:xfrm>
+          <a:prstGeom prst="rect">
+            <a:avLst/>
+          </a:prstGeom>
+          <a:solidFill>
+            <a:srgbClr val="FFFFFF"/>
+          </a:solidFill>
+          <a:ln>
+            <a:noFill/>
+          </a:ln>
+          <a:extLst>
+            <a:ext uri="{91240B29-F687-4F45-9708-019B960494DF}">
+              <a14:hiddenLine xmlns:a14="http://schemas.microsoft.com/office/drawing/2010/main" w="9525">
+                <a:solidFill>
+                  <a:srgbClr val="000000"/>
+                </a:solidFill>
+                <a:miter lim="800000"/>
+                <a:headEnd/>
+                <a:tailEnd/>
+              </a14:hiddenLine>
+            </a:ext>
+          </a:extLst>
+        </p:spPr>
+        <p:txBody>
+          <a:bodyPr vert="horz" wrap="square" lIns="0" tIns="0" rIns="0" bIns="0" numCol="1" anchor="t" anchorCtr="0" compatLnSpc="1">
+            <a:prstTxWarp prst="textNoShape">
+              <a:avLst/>
+            </a:prstTxWarp>
+          </a:bodyPr>
+          <a:lstStyle/>
+          <a:p>
+            <a:pPr marL="0" marR="0" lvl="0" indent="0" algn="l" defTabSz="914400" rtl="0" eaLnBrk="0" fontAlgn="base" latinLnBrk="0" hangingPunct="0">
+              <a:lnSpc>
+                <a:spcPct val="100000"/>
+              </a:lnSpc>
+              <a:spcBef>
+                <a:spcPct val="0"/>
+              </a:spcBef>
+              <a:spcAft>
+                <a:spcPct val="0"/>
+              </a:spcAft>
+              <a:buClrTx/>
+              <a:buSzTx/>
+              <a:buFontTx/>
+              <a:buNone/>
+              <a:tabLst/>
+            </a:pPr>
+            <a:r>
+              <a:rPr kumimoji="0" lang="en-US" altLang="en-US" sz="1000" b="0" i="0" u="none" strike="noStrike" cap="none" normalizeH="0" baseline="0">
+                <a:ln>
+                  <a:noFill/>
+                </a:ln>
+                <a:solidFill>
+                  <a:schemeClr val="tx1"/>
+                </a:solidFill>
+                <a:effectLst/>
+                <a:latin typeface="Times New Roman" panose="02020603050405020304" pitchFamily="18" charset="0"/>
+                <a:ea typeface="Times New Roman" panose="02020603050405020304" pitchFamily="18" charset="0"/>
+                <a:cs typeface="Times New Roman" panose="02020603050405020304" pitchFamily="18" charset="0"/>
+              </a:rPr>
+              <a:t>Retrieve Specific</a:t>
+            </a:r>
+            <a:br>
+              <a:rPr kumimoji="0" lang="en-US" altLang="en-US" sz="1000" b="0" i="0" u="none" strike="noStrike" cap="none" normalizeH="0" baseline="0">
+                <a:ln>
+                  <a:noFill/>
+                </a:ln>
+                <a:solidFill>
+                  <a:schemeClr val="tx1"/>
+                </a:solidFill>
+                <a:effectLst/>
+                <a:latin typeface="Times New Roman" panose="02020603050405020304" pitchFamily="18" charset="0"/>
+                <a:ea typeface="Times New Roman" panose="02020603050405020304" pitchFamily="18" charset="0"/>
+                <a:cs typeface="Times New Roman" panose="02020603050405020304" pitchFamily="18" charset="0"/>
+              </a:rPr>
+            </a:br>
+            <a:r>
+              <a:rPr kumimoji="0" lang="en-US" altLang="en-US" sz="1000" b="0" i="0" u="none" strike="noStrike" cap="none" normalizeH="0" baseline="0">
+                <a:ln>
+                  <a:noFill/>
+                </a:ln>
+                <a:solidFill>
+                  <a:schemeClr val="tx1"/>
+                </a:solidFill>
+                <a:effectLst/>
+                <a:latin typeface="Times New Roman" panose="02020603050405020304" pitchFamily="18" charset="0"/>
+                <a:ea typeface="Times New Roman" panose="02020603050405020304" pitchFamily="18" charset="0"/>
+                <a:cs typeface="Times New Roman" panose="02020603050405020304" pitchFamily="18" charset="0"/>
+              </a:rPr>
+              <a:t>Info for Display [ITI-11]</a:t>
+            </a:r>
+            <a:endParaRPr kumimoji="0" lang="en-US" altLang="en-US" sz="1800" b="0" i="0" u="none" strike="noStrike" cap="none" normalizeH="0" baseline="0">
+              <a:ln>
+                <a:noFill/>
+              </a:ln>
+              <a:solidFill>
+                <a:schemeClr val="tx1"/>
+              </a:solidFill>
+              <a:effectLst/>
+              <a:latin typeface="Times New Roman" panose="02020603050405020304" pitchFamily="18" charset="0"/>
+              <a:cs typeface="Times New Roman" panose="02020603050405020304" pitchFamily="18" charset="0"/>
+            </a:endParaRPr>
+          </a:p>
+        </p:txBody>
+      </p:sp>
+      <p:sp>
+        <p:nvSpPr>
+          <p:cNvPr id="11" name="Rectangle 43">
+            <a:extLst>
+              <a:ext uri="{FF2B5EF4-FFF2-40B4-BE49-F238E27FC236}">
+                <a16:creationId xmlns:a16="http://schemas.microsoft.com/office/drawing/2014/main" id="{E875FEB0-2CE3-CB4E-AE0C-35B3D165D3B7}"/>
+              </a:ext>
+            </a:extLst>
+          </p:cNvPr>
+          <p:cNvSpPr>
+            <a:spLocks noChangeArrowheads="1"/>
+          </p:cNvSpPr>
+          <p:nvPr/>
+        </p:nvSpPr>
+        <p:spPr bwMode="auto">
+          <a:xfrm>
+            <a:off x="3343275" y="1081088"/>
+            <a:ext cx="203200" cy="795337"/>
+          </a:xfrm>
+          <a:prstGeom prst="rect">
+            <a:avLst/>
+          </a:prstGeom>
+          <a:solidFill>
+            <a:srgbClr val="FFFFFF"/>
+          </a:solidFill>
+          <a:ln w="9525">
+            <a:solidFill>
+              <a:srgbClr val="000000"/>
+            </a:solidFill>
+            <a:miter lim="800000"/>
+            <a:headEnd/>
+            <a:tailEnd/>
+          </a:ln>
+        </p:spPr>
+        <p:txBody>
+          <a:bodyPr vert="horz" wrap="square" lIns="91440" tIns="45720" rIns="91440" bIns="45720" numCol="1" anchor="t" anchorCtr="0" compatLnSpc="1">
+            <a:prstTxWarp prst="textNoShape">
+              <a:avLst/>
+            </a:prstTxWarp>
+          </a:bodyPr>
+          <a:lstStyle/>
+          <a:p>
+            <a:endParaRPr lang="en-US"/>
+          </a:p>
+        </p:txBody>
+      </p:sp>
+      <p:sp>
+        <p:nvSpPr>
+          <p:cNvPr id="12" name="Text Box 39">
+            <a:extLst>
+              <a:ext uri="{FF2B5EF4-FFF2-40B4-BE49-F238E27FC236}">
+                <a16:creationId xmlns:a16="http://schemas.microsoft.com/office/drawing/2014/main" id="{84859B71-2EE1-F842-8792-D94C192A47C8}"/>
+              </a:ext>
+            </a:extLst>
+          </p:cNvPr>
+          <p:cNvSpPr txBox="1">
+            <a:spLocks noChangeArrowheads="1"/>
+          </p:cNvSpPr>
+          <p:nvPr/>
+        </p:nvSpPr>
+        <p:spPr bwMode="auto">
+          <a:xfrm>
+            <a:off x="38100" y="1108075"/>
+            <a:ext cx="788988" cy="657225"/>
+          </a:xfrm>
+          <a:prstGeom prst="rect">
+            <a:avLst/>
+          </a:prstGeom>
+          <a:solidFill>
+            <a:srgbClr val="FFFFFF"/>
+          </a:solidFill>
+          <a:ln>
+            <a:noFill/>
+          </a:ln>
+          <a:extLst>
+            <a:ext uri="{91240B29-F687-4F45-9708-019B960494DF}">
+              <a14:hiddenLine xmlns:a14="http://schemas.microsoft.com/office/drawing/2010/main" w="9525">
+                <a:solidFill>
+                  <a:srgbClr val="000000"/>
+                </a:solidFill>
+                <a:miter lim="800000"/>
+                <a:headEnd/>
+                <a:tailEnd/>
+              </a14:hiddenLine>
+            </a:ext>
+          </a:extLst>
+        </p:spPr>
+        <p:txBody>
+          <a:bodyPr vert="horz" wrap="square" lIns="0" tIns="0" rIns="0" bIns="0" numCol="1" anchor="t" anchorCtr="0" compatLnSpc="1">
+            <a:prstTxWarp prst="textNoShape">
+              <a:avLst/>
+            </a:prstTxWarp>
+          </a:bodyPr>
+          <a:lstStyle/>
+          <a:p>
+            <a:pPr marL="0" marR="0" lvl="0" indent="0" algn="l" defTabSz="914400" rtl="0" eaLnBrk="0" fontAlgn="base" latinLnBrk="0" hangingPunct="0">
+              <a:lnSpc>
+                <a:spcPct val="100000"/>
+              </a:lnSpc>
+              <a:spcBef>
+                <a:spcPct val="0"/>
+              </a:spcBef>
+              <a:spcAft>
+                <a:spcPct val="0"/>
+              </a:spcAft>
+              <a:buClrTx/>
+              <a:buSzTx/>
+              <a:buFontTx/>
+              <a:buNone/>
+              <a:tabLst/>
+            </a:pPr>
+            <a:r>
+              <a:rPr kumimoji="0" lang="en-US" altLang="en-US" sz="1000" b="0" i="1" u="none" strike="noStrike" cap="none" normalizeH="0" baseline="0" dirty="0">
+                <a:ln>
+                  <a:noFill/>
+                </a:ln>
+                <a:solidFill>
+                  <a:schemeClr val="tx1"/>
+                </a:solidFill>
+                <a:effectLst/>
+                <a:latin typeface="Times New Roman" panose="02020603050405020304" pitchFamily="18" charset="0"/>
+                <a:ea typeface="Times New Roman" panose="02020603050405020304" pitchFamily="18" charset="0"/>
+                <a:cs typeface="Times New Roman" panose="02020603050405020304" pitchFamily="18" charset="0"/>
+              </a:rPr>
+              <a:t>Prepare Specific</a:t>
+            </a:r>
+            <a:br>
+              <a:rPr kumimoji="0" lang="en-US" altLang="en-US" sz="1000" b="0" i="1" u="none" strike="noStrike" cap="none" normalizeH="0" baseline="0" dirty="0">
+                <a:ln>
+                  <a:noFill/>
+                </a:ln>
+                <a:solidFill>
+                  <a:schemeClr val="tx1"/>
+                </a:solidFill>
+                <a:effectLst/>
+                <a:latin typeface="Times New Roman" panose="02020603050405020304" pitchFamily="18" charset="0"/>
+                <a:ea typeface="Times New Roman" panose="02020603050405020304" pitchFamily="18" charset="0"/>
+                <a:cs typeface="Times New Roman" panose="02020603050405020304" pitchFamily="18" charset="0"/>
+              </a:rPr>
+            </a:br>
+            <a:r>
+              <a:rPr kumimoji="0" lang="en-US" altLang="en-US" sz="1000" b="0" i="1" u="none" strike="noStrike" cap="none" normalizeH="0" baseline="0" dirty="0">
+                <a:ln>
+                  <a:noFill/>
+                </a:ln>
+                <a:solidFill>
+                  <a:schemeClr val="tx1"/>
+                </a:solidFill>
+                <a:effectLst/>
+                <a:latin typeface="Times New Roman" panose="02020603050405020304" pitchFamily="18" charset="0"/>
+                <a:ea typeface="Times New Roman" panose="02020603050405020304" pitchFamily="18" charset="0"/>
+                <a:cs typeface="Times New Roman" panose="02020603050405020304" pitchFamily="18" charset="0"/>
+              </a:rPr>
+              <a:t>Information for Display </a:t>
+            </a:r>
+            <a:endParaRPr kumimoji="0" lang="en-US" altLang="en-US" sz="1800" b="0" i="0" u="none" strike="noStrike" cap="none" normalizeH="0" baseline="0" dirty="0">
+              <a:ln>
+                <a:noFill/>
+              </a:ln>
+              <a:solidFill>
+                <a:schemeClr val="tx1"/>
+              </a:solidFill>
+              <a:effectLst/>
+              <a:latin typeface="Times New Roman" panose="02020603050405020304" pitchFamily="18" charset="0"/>
+              <a:cs typeface="Times New Roman" panose="02020603050405020304" pitchFamily="18" charset="0"/>
+            </a:endParaRPr>
+          </a:p>
+        </p:txBody>
+      </p:sp>
+      <p:sp>
+        <p:nvSpPr>
+          <p:cNvPr id="13" name="Text Box 35">
+            <a:extLst>
+              <a:ext uri="{FF2B5EF4-FFF2-40B4-BE49-F238E27FC236}">
+                <a16:creationId xmlns:a16="http://schemas.microsoft.com/office/drawing/2014/main" id="{14F21E0F-0831-8440-BE7E-732897C1CD94}"/>
+              </a:ext>
+            </a:extLst>
+          </p:cNvPr>
+          <p:cNvSpPr txBox="1">
+            <a:spLocks noChangeArrowheads="1"/>
+          </p:cNvSpPr>
+          <p:nvPr/>
+        </p:nvSpPr>
+        <p:spPr bwMode="auto">
+          <a:xfrm>
+            <a:off x="3934056" y="1565275"/>
+            <a:ext cx="788988" cy="304800"/>
           </a:xfrm>
           <a:prstGeom prst="rect">
             <a:avLst/>
@@ -3768,37 +4234,11 @@
                   <a:schemeClr val="tx1"/>
                 </a:solidFill>
                 <a:effectLst/>
-                <a:latin typeface="Arial" panose="020B0604020202020204" pitchFamily="34" charset="0"/>
+                <a:latin typeface="Times New Roman" panose="02020603050405020304" pitchFamily="18" charset="0"/>
                 <a:ea typeface="Times New Roman" panose="02020603050405020304" pitchFamily="18" charset="0"/>
+                <a:cs typeface="Times New Roman" panose="02020603050405020304" pitchFamily="18" charset="0"/>
               </a:rPr>
-              <a:t>User Requests</a:t>
-            </a:r>
-            <a:br>
-              <a:rPr kumimoji="0" lang="en-US" altLang="en-US" sz="1000" b="0" i="1" u="none" strike="noStrike" cap="none" normalizeH="0" baseline="0">
-                <a:ln>
-                  <a:noFill/>
-                </a:ln>
-                <a:solidFill>
-                  <a:schemeClr val="tx1"/>
-                </a:solidFill>
-                <a:effectLst/>
-                <a:latin typeface="Arial" panose="020B0604020202020204" pitchFamily="34" charset="0"/>
-                <a:ea typeface="Times New Roman" panose="02020603050405020304" pitchFamily="18" charset="0"/>
-              </a:rPr>
-            </a:br>
-            <a:r>
-              <a:rPr kumimoji="0" lang="en-US" altLang="en-US" sz="1000" b="0" i="1" u="none" strike="noStrike" cap="none" normalizeH="0" baseline="0">
-                <a:ln>
-                  <a:noFill/>
-                </a:ln>
-                <a:solidFill>
-                  <a:schemeClr val="tx1"/>
-                </a:solidFill>
-                <a:effectLst/>
-                <a:latin typeface="Arial" panose="020B0604020202020204" pitchFamily="34" charset="0"/>
-                <a:ea typeface="Times New Roman" panose="02020603050405020304" pitchFamily="18" charset="0"/>
-              </a:rPr>
-              <a:t>Information on a patient </a:t>
+              <a:t>Display Information </a:t>
             </a:r>
             <a:endParaRPr kumimoji="0" lang="en-US" altLang="en-US" sz="1800" b="0" i="0" u="none" strike="noStrike" cap="none" normalizeH="0" baseline="0">
               <a:ln>
@@ -3808,28 +4248,152 @@
                 <a:schemeClr val="tx1"/>
               </a:solidFill>
               <a:effectLst/>
-              <a:latin typeface="Arial" panose="020B0604020202020204" pitchFamily="34" charset="0"/>
+              <a:latin typeface="Times New Roman" panose="02020603050405020304" pitchFamily="18" charset="0"/>
+              <a:cs typeface="Times New Roman" panose="02020603050405020304" pitchFamily="18" charset="0"/>
             </a:endParaRPr>
           </a:p>
         </p:txBody>
       </p:sp>
       <p:sp>
         <p:nvSpPr>
-          <p:cNvPr id="9" name="Rectangle 45">
-            <a:extLst>
-              <a:ext uri="{FF2B5EF4-FFF2-40B4-BE49-F238E27FC236}">
-                <a16:creationId xmlns:a16="http://schemas.microsoft.com/office/drawing/2014/main" id="{1BB68FC0-9C93-8243-8BDD-43CF7875DA9D}"/>
-              </a:ext>
-            </a:extLst>
-          </p:cNvPr>
-          <p:cNvSpPr>
+          <p:cNvPr id="14" name="Text Box 31">
+            <a:extLst>
+              <a:ext uri="{FF2B5EF4-FFF2-40B4-BE49-F238E27FC236}">
+                <a16:creationId xmlns:a16="http://schemas.microsoft.com/office/drawing/2014/main" id="{13AB406F-235E-034D-8A76-7EA3E3904B92}"/>
+              </a:ext>
+            </a:extLst>
+          </p:cNvPr>
+          <p:cNvSpPr txBox="1">
             <a:spLocks noChangeArrowheads="1"/>
           </p:cNvSpPr>
           <p:nvPr/>
         </p:nvSpPr>
         <p:spPr bwMode="auto">
           <a:xfrm>
-            <a:off x="1171575" y="1081088"/>
+            <a:off x="3954732" y="2060575"/>
+            <a:ext cx="1322388" cy="628650"/>
+          </a:xfrm>
+          <a:prstGeom prst="rect">
+            <a:avLst/>
+          </a:prstGeom>
+          <a:solidFill>
+            <a:srgbClr val="FFFFFF"/>
+          </a:solidFill>
+          <a:ln>
+            <a:noFill/>
+          </a:ln>
+          <a:extLst>
+            <a:ext uri="{91240B29-F687-4F45-9708-019B960494DF}">
+              <a14:hiddenLine xmlns:a14="http://schemas.microsoft.com/office/drawing/2010/main" w="9525">
+                <a:solidFill>
+                  <a:srgbClr val="000000"/>
+                </a:solidFill>
+                <a:miter lim="800000"/>
+                <a:headEnd/>
+                <a:tailEnd/>
+              </a14:hiddenLine>
+            </a:ext>
+          </a:extLst>
+        </p:spPr>
+        <p:txBody>
+          <a:bodyPr vert="horz" wrap="square" lIns="0" tIns="0" rIns="0" bIns="0" numCol="1" anchor="t" anchorCtr="0" compatLnSpc="1">
+            <a:prstTxWarp prst="textNoShape">
+              <a:avLst/>
+            </a:prstTxWarp>
+          </a:bodyPr>
+          <a:lstStyle/>
+          <a:p>
+            <a:pPr marL="0" marR="0" lvl="0" indent="0" algn="l" defTabSz="914400" rtl="0" eaLnBrk="0" fontAlgn="base" latinLnBrk="0" hangingPunct="0">
+              <a:lnSpc>
+                <a:spcPct val="100000"/>
+              </a:lnSpc>
+              <a:spcBef>
+                <a:spcPct val="0"/>
+              </a:spcBef>
+              <a:spcAft>
+                <a:spcPct val="0"/>
+              </a:spcAft>
+              <a:buClrTx/>
+              <a:buSzTx/>
+              <a:buFontTx/>
+              <a:buNone/>
+              <a:tabLst/>
+            </a:pPr>
+            <a:r>
+              <a:rPr kumimoji="0" lang="en-US" altLang="en-US" sz="1000" b="0" i="1" u="none" strike="noStrike" cap="none" normalizeH="0" baseline="0" dirty="0">
+                <a:ln>
+                  <a:noFill/>
+                </a:ln>
+                <a:solidFill>
+                  <a:schemeClr val="tx1"/>
+                </a:solidFill>
+                <a:effectLst/>
+                <a:latin typeface="Times New Roman" panose="02020603050405020304" pitchFamily="18" charset="0"/>
+                <a:ea typeface="Times New Roman" panose="02020603050405020304" pitchFamily="18" charset="0"/>
+                <a:cs typeface="Times New Roman" panose="02020603050405020304" pitchFamily="18" charset="0"/>
+              </a:rPr>
+              <a:t>User Requests a</a:t>
+            </a:r>
+            <a:br>
+              <a:rPr kumimoji="0" lang="en-US" altLang="en-US" sz="1000" b="0" i="1" u="none" strike="noStrike" cap="none" normalizeH="0" baseline="0" dirty="0">
+                <a:ln>
+                  <a:noFill/>
+                </a:ln>
+                <a:solidFill>
+                  <a:schemeClr val="tx1"/>
+                </a:solidFill>
+                <a:effectLst/>
+                <a:latin typeface="Times New Roman" panose="02020603050405020304" pitchFamily="18" charset="0"/>
+                <a:ea typeface="Times New Roman" panose="02020603050405020304" pitchFamily="18" charset="0"/>
+                <a:cs typeface="Times New Roman" panose="02020603050405020304" pitchFamily="18" charset="0"/>
+              </a:rPr>
+            </a:br>
+            <a:r>
+              <a:rPr kumimoji="0" lang="en-US" altLang="en-US" sz="1000" b="0" i="1" u="none" strike="noStrike" cap="none" normalizeH="0" baseline="0" dirty="0">
+                <a:ln>
+                  <a:noFill/>
+                </a:ln>
+                <a:solidFill>
+                  <a:schemeClr val="tx1"/>
+                </a:solidFill>
+                <a:effectLst/>
+                <a:latin typeface="Times New Roman" panose="02020603050405020304" pitchFamily="18" charset="0"/>
+                <a:ea typeface="Times New Roman" panose="02020603050405020304" pitchFamily="18" charset="0"/>
+                <a:cs typeface="Times New Roman" panose="02020603050405020304" pitchFamily="18" charset="0"/>
+              </a:rPr>
+              <a:t>Document referenced in previous information returned</a:t>
+            </a:r>
+            <a:endParaRPr kumimoji="0" lang="en-US" altLang="en-US" sz="1800" b="0" i="0" u="none" strike="noStrike" cap="none" normalizeH="0" baseline="0" dirty="0">
+              <a:ln>
+                <a:noFill/>
+              </a:ln>
+              <a:solidFill>
+                <a:schemeClr val="tx1"/>
+              </a:solidFill>
+              <a:effectLst/>
+              <a:latin typeface="Times New Roman" panose="02020603050405020304" pitchFamily="18" charset="0"/>
+              <a:cs typeface="Times New Roman" panose="02020603050405020304" pitchFamily="18" charset="0"/>
+            </a:endParaRPr>
+          </a:p>
+        </p:txBody>
+      </p:sp>
+      <p:sp>
+        <p:nvSpPr>
+          <p:cNvPr id="15" name="Rectangle 30">
+            <a:extLst>
+              <a:ext uri="{FF2B5EF4-FFF2-40B4-BE49-F238E27FC236}">
+                <a16:creationId xmlns:a16="http://schemas.microsoft.com/office/drawing/2014/main" id="{DCE1C971-E7D8-354F-835F-116C903BCA8F}"/>
+              </a:ext>
+            </a:extLst>
+          </p:cNvPr>
+          <p:cNvSpPr>
+            <a:spLocks noChangeArrowheads="1"/>
+          </p:cNvSpPr>
+          <p:nvPr/>
+        </p:nvSpPr>
+        <p:spPr bwMode="auto">
+          <a:xfrm>
+            <a:off x="1181100" y="2357438"/>
             <a:ext cx="182563" cy="741362"/>
           </a:xfrm>
           <a:prstGeom prst="rect">
@@ -3861,10 +4425,56 @@
       </p:sp>
       <p:sp>
         <p:nvSpPr>
-          <p:cNvPr id="10" name="Text Box 44">
-            <a:extLst>
-              <a:ext uri="{FF2B5EF4-FFF2-40B4-BE49-F238E27FC236}">
-                <a16:creationId xmlns:a16="http://schemas.microsoft.com/office/drawing/2014/main" id="{B8B2C2F6-B784-8846-A92E-5853100B1F82}"/>
+          <p:cNvPr id="16" name="Rectangle 29">
+            <a:extLst>
+              <a:ext uri="{FF2B5EF4-FFF2-40B4-BE49-F238E27FC236}">
+                <a16:creationId xmlns:a16="http://schemas.microsoft.com/office/drawing/2014/main" id="{8D0C0ACC-F4BB-8E45-9032-71F1089C3F55}"/>
+              </a:ext>
+            </a:extLst>
+          </p:cNvPr>
+          <p:cNvSpPr>
+            <a:spLocks noChangeArrowheads="1"/>
+          </p:cNvSpPr>
+          <p:nvPr/>
+        </p:nvSpPr>
+        <p:spPr bwMode="auto">
+          <a:xfrm>
+            <a:off x="3343275" y="2185988"/>
+            <a:ext cx="231775" cy="957262"/>
+          </a:xfrm>
+          <a:prstGeom prst="rect">
+            <a:avLst/>
+          </a:prstGeom>
+          <a:solidFill>
+            <a:srgbClr val="FFFFFF"/>
+          </a:solidFill>
+          <a:ln w="9525">
+            <a:solidFill>
+              <a:srgbClr val="000000"/>
+            </a:solidFill>
+            <a:miter lim="800000"/>
+            <a:headEnd/>
+            <a:tailEnd/>
+          </a:ln>
+        </p:spPr>
+        <p:txBody>
+          <a:bodyPr vert="horz" wrap="square" lIns="91440" tIns="45720" rIns="91440" bIns="45720" numCol="1" anchor="t" anchorCtr="0" compatLnSpc="1">
+            <a:prstTxWarp prst="textNoShape">
+              <a:avLst/>
+            </a:prstTxWarp>
+          </a:bodyPr>
+          <a:lstStyle/>
+          <a:p>
+            <a:endParaRPr lang="en-US"/>
+          </a:p>
+        </p:txBody>
+      </p:sp>
+      <p:sp>
+        <p:nvSpPr>
+          <p:cNvPr id="17" name="Text Box 25">
+            <a:extLst>
+              <a:ext uri="{FF2B5EF4-FFF2-40B4-BE49-F238E27FC236}">
+                <a16:creationId xmlns:a16="http://schemas.microsoft.com/office/drawing/2014/main" id="{330B5422-BD3F-6943-AAF1-55D2C99C39A5}"/>
               </a:ext>
             </a:extLst>
           </p:cNvPr>
@@ -3875,8 +4485,715 @@
         </p:nvSpPr>
         <p:spPr bwMode="auto">
           <a:xfrm>
-            <a:off x="1749425" y="1165225"/>
-            <a:ext cx="1397000" cy="342900"/>
+            <a:off x="0" y="2479675"/>
+            <a:ext cx="836613" cy="704850"/>
+          </a:xfrm>
+          <a:prstGeom prst="rect">
+            <a:avLst/>
+          </a:prstGeom>
+          <a:solidFill>
+            <a:srgbClr val="FFFFFF"/>
+          </a:solidFill>
+          <a:ln>
+            <a:noFill/>
+          </a:ln>
+          <a:extLst>
+            <a:ext uri="{91240B29-F687-4F45-9708-019B960494DF}">
+              <a14:hiddenLine xmlns:a14="http://schemas.microsoft.com/office/drawing/2010/main" w="9525">
+                <a:solidFill>
+                  <a:srgbClr val="000000"/>
+                </a:solidFill>
+                <a:miter lim="800000"/>
+                <a:headEnd/>
+                <a:tailEnd/>
+              </a14:hiddenLine>
+            </a:ext>
+          </a:extLst>
+        </p:spPr>
+        <p:txBody>
+          <a:bodyPr vert="horz" wrap="square" lIns="0" tIns="0" rIns="0" bIns="0" numCol="1" anchor="t" anchorCtr="0" compatLnSpc="1">
+            <a:prstTxWarp prst="textNoShape">
+              <a:avLst/>
+            </a:prstTxWarp>
+          </a:bodyPr>
+          <a:lstStyle/>
+          <a:p>
+            <a:pPr marL="0" marR="0" lvl="0" indent="0" algn="l" defTabSz="914400" rtl="0" eaLnBrk="0" fontAlgn="base" latinLnBrk="0" hangingPunct="0">
+              <a:lnSpc>
+                <a:spcPct val="100000"/>
+              </a:lnSpc>
+              <a:spcBef>
+                <a:spcPct val="0"/>
+              </a:spcBef>
+              <a:spcAft>
+                <a:spcPct val="0"/>
+              </a:spcAft>
+              <a:buClrTx/>
+              <a:buSzTx/>
+              <a:buFontTx/>
+              <a:buNone/>
+              <a:tabLst/>
+            </a:pPr>
+            <a:r>
+              <a:rPr kumimoji="0" lang="en-US" altLang="en-US" sz="1000" b="0" i="1" u="none" strike="noStrike" cap="none" normalizeH="0" baseline="0">
+                <a:ln>
+                  <a:noFill/>
+                </a:ln>
+                <a:solidFill>
+                  <a:schemeClr val="tx1"/>
+                </a:solidFill>
+                <a:effectLst/>
+                <a:latin typeface="Times New Roman" panose="02020603050405020304" pitchFamily="18" charset="0"/>
+                <a:ea typeface="Times New Roman" panose="02020603050405020304" pitchFamily="18" charset="0"/>
+                <a:cs typeface="Times New Roman" panose="02020603050405020304" pitchFamily="18" charset="0"/>
+              </a:rPr>
+              <a:t>Prepare Selected</a:t>
+            </a:r>
+            <a:br>
+              <a:rPr kumimoji="0" lang="en-US" altLang="en-US" sz="1000" b="0" i="1" u="none" strike="noStrike" cap="none" normalizeH="0" baseline="0">
+                <a:ln>
+                  <a:noFill/>
+                </a:ln>
+                <a:solidFill>
+                  <a:schemeClr val="tx1"/>
+                </a:solidFill>
+                <a:effectLst/>
+                <a:latin typeface="Times New Roman" panose="02020603050405020304" pitchFamily="18" charset="0"/>
+                <a:ea typeface="Times New Roman" panose="02020603050405020304" pitchFamily="18" charset="0"/>
+                <a:cs typeface="Times New Roman" panose="02020603050405020304" pitchFamily="18" charset="0"/>
+              </a:rPr>
+            </a:br>
+            <a:r>
+              <a:rPr kumimoji="0" lang="en-US" altLang="en-US" sz="1000" b="0" i="1" u="none" strike="noStrike" cap="none" normalizeH="0" baseline="0">
+                <a:ln>
+                  <a:noFill/>
+                </a:ln>
+                <a:solidFill>
+                  <a:schemeClr val="tx1"/>
+                </a:solidFill>
+                <a:effectLst/>
+                <a:latin typeface="Times New Roman" panose="02020603050405020304" pitchFamily="18" charset="0"/>
+                <a:ea typeface="Times New Roman" panose="02020603050405020304" pitchFamily="18" charset="0"/>
+                <a:cs typeface="Times New Roman" panose="02020603050405020304" pitchFamily="18" charset="0"/>
+              </a:rPr>
+              <a:t>Document for Display </a:t>
+            </a:r>
+            <a:endParaRPr kumimoji="0" lang="en-US" altLang="en-US" sz="1800" b="0" i="0" u="none" strike="noStrike" cap="none" normalizeH="0" baseline="0">
+              <a:ln>
+                <a:noFill/>
+              </a:ln>
+              <a:solidFill>
+                <a:schemeClr val="tx1"/>
+              </a:solidFill>
+              <a:effectLst/>
+              <a:latin typeface="Times New Roman" panose="02020603050405020304" pitchFamily="18" charset="0"/>
+              <a:cs typeface="Times New Roman" panose="02020603050405020304" pitchFamily="18" charset="0"/>
+            </a:endParaRPr>
+          </a:p>
+        </p:txBody>
+      </p:sp>
+      <p:sp>
+        <p:nvSpPr>
+          <p:cNvPr id="18" name="Text Box 21">
+            <a:extLst>
+              <a:ext uri="{FF2B5EF4-FFF2-40B4-BE49-F238E27FC236}">
+                <a16:creationId xmlns:a16="http://schemas.microsoft.com/office/drawing/2014/main" id="{33165BED-B3AA-4C41-89AD-B20B533A1AEC}"/>
+              </a:ext>
+            </a:extLst>
+          </p:cNvPr>
+          <p:cNvSpPr txBox="1">
+            <a:spLocks noChangeArrowheads="1"/>
+          </p:cNvSpPr>
+          <p:nvPr/>
+        </p:nvSpPr>
+        <p:spPr bwMode="auto">
+          <a:xfrm>
+            <a:off x="3948228" y="2851150"/>
+            <a:ext cx="1208088" cy="352425"/>
+          </a:xfrm>
+          <a:prstGeom prst="rect">
+            <a:avLst/>
+          </a:prstGeom>
+          <a:solidFill>
+            <a:srgbClr val="FFFFFF"/>
+          </a:solidFill>
+          <a:ln>
+            <a:noFill/>
+          </a:ln>
+          <a:extLst>
+            <a:ext uri="{91240B29-F687-4F45-9708-019B960494DF}">
+              <a14:hiddenLine xmlns:a14="http://schemas.microsoft.com/office/drawing/2010/main" w="9525">
+                <a:solidFill>
+                  <a:srgbClr val="000000"/>
+                </a:solidFill>
+                <a:miter lim="800000"/>
+                <a:headEnd/>
+                <a:tailEnd/>
+              </a14:hiddenLine>
+            </a:ext>
+          </a:extLst>
+        </p:spPr>
+        <p:txBody>
+          <a:bodyPr vert="horz" wrap="square" lIns="0" tIns="0" rIns="0" bIns="0" numCol="1" anchor="t" anchorCtr="0" compatLnSpc="1">
+            <a:prstTxWarp prst="textNoShape">
+              <a:avLst/>
+            </a:prstTxWarp>
+          </a:bodyPr>
+          <a:lstStyle/>
+          <a:p>
+            <a:pPr marL="0" marR="0" lvl="0" indent="0" algn="l" defTabSz="914400" rtl="0" eaLnBrk="0" fontAlgn="base" latinLnBrk="0" hangingPunct="0">
+              <a:lnSpc>
+                <a:spcPct val="100000"/>
+              </a:lnSpc>
+              <a:spcBef>
+                <a:spcPct val="0"/>
+              </a:spcBef>
+              <a:spcAft>
+                <a:spcPct val="0"/>
+              </a:spcAft>
+              <a:buClrTx/>
+              <a:buSzTx/>
+              <a:buFontTx/>
+              <a:buNone/>
+              <a:tabLst/>
+            </a:pPr>
+            <a:r>
+              <a:rPr kumimoji="0" lang="en-US" altLang="en-US" sz="1000" b="0" i="1" u="none" strike="noStrike" cap="none" normalizeH="0" baseline="0" dirty="0">
+                <a:ln>
+                  <a:noFill/>
+                </a:ln>
+                <a:solidFill>
+                  <a:schemeClr val="tx1"/>
+                </a:solidFill>
+                <a:effectLst/>
+                <a:latin typeface="Times New Roman" panose="02020603050405020304" pitchFamily="18" charset="0"/>
+                <a:ea typeface="Times New Roman" panose="02020603050405020304" pitchFamily="18" charset="0"/>
+                <a:cs typeface="Times New Roman" panose="02020603050405020304" pitchFamily="18" charset="0"/>
+              </a:rPr>
+              <a:t>Display</a:t>
+            </a:r>
+            <a:br>
+              <a:rPr kumimoji="0" lang="en-US" altLang="en-US" sz="1000" b="0" i="1" u="none" strike="noStrike" cap="none" normalizeH="0" baseline="0" dirty="0">
+                <a:ln>
+                  <a:noFill/>
+                </a:ln>
+                <a:solidFill>
+                  <a:schemeClr val="tx1"/>
+                </a:solidFill>
+                <a:effectLst/>
+                <a:latin typeface="Times New Roman" panose="02020603050405020304" pitchFamily="18" charset="0"/>
+                <a:ea typeface="Times New Roman" panose="02020603050405020304" pitchFamily="18" charset="0"/>
+                <a:cs typeface="Times New Roman" panose="02020603050405020304" pitchFamily="18" charset="0"/>
+              </a:rPr>
+            </a:br>
+            <a:r>
+              <a:rPr kumimoji="0" lang="en-US" altLang="en-US" sz="1000" b="0" i="1" u="none" strike="noStrike" cap="none" normalizeH="0" baseline="0" dirty="0">
+                <a:ln>
+                  <a:noFill/>
+                </a:ln>
+                <a:solidFill>
+                  <a:schemeClr val="tx1"/>
+                </a:solidFill>
+                <a:effectLst/>
+                <a:latin typeface="Times New Roman" panose="02020603050405020304" pitchFamily="18" charset="0"/>
+                <a:ea typeface="Times New Roman" panose="02020603050405020304" pitchFamily="18" charset="0"/>
+                <a:cs typeface="Times New Roman" panose="02020603050405020304" pitchFamily="18" charset="0"/>
+              </a:rPr>
+              <a:t>Document Content</a:t>
+            </a:r>
+            <a:endParaRPr kumimoji="0" lang="en-US" altLang="en-US" sz="1800" b="0" i="0" u="none" strike="noStrike" cap="none" normalizeH="0" baseline="0" dirty="0">
+              <a:ln>
+                <a:noFill/>
+              </a:ln>
+              <a:solidFill>
+                <a:schemeClr val="tx1"/>
+              </a:solidFill>
+              <a:effectLst/>
+              <a:latin typeface="Times New Roman" panose="02020603050405020304" pitchFamily="18" charset="0"/>
+              <a:cs typeface="Times New Roman" panose="02020603050405020304" pitchFamily="18" charset="0"/>
+            </a:endParaRPr>
+          </a:p>
+        </p:txBody>
+      </p:sp>
+      <p:sp>
+        <p:nvSpPr>
+          <p:cNvPr id="19" name="Text Box 17">
+            <a:extLst>
+              <a:ext uri="{FF2B5EF4-FFF2-40B4-BE49-F238E27FC236}">
+                <a16:creationId xmlns:a16="http://schemas.microsoft.com/office/drawing/2014/main" id="{46C8CAE7-4104-7048-A18A-E21634835AE7}"/>
+              </a:ext>
+            </a:extLst>
+          </p:cNvPr>
+          <p:cNvSpPr txBox="1">
+            <a:spLocks noChangeArrowheads="1"/>
+          </p:cNvSpPr>
+          <p:nvPr/>
+        </p:nvSpPr>
+        <p:spPr bwMode="auto">
+          <a:xfrm>
+            <a:off x="3954732" y="3510001"/>
+            <a:ext cx="1141413" cy="485775"/>
+          </a:xfrm>
+          <a:prstGeom prst="rect">
+            <a:avLst/>
+          </a:prstGeom>
+          <a:solidFill>
+            <a:srgbClr val="FFFFFF"/>
+          </a:solidFill>
+          <a:ln>
+            <a:noFill/>
+          </a:ln>
+          <a:extLst>
+            <a:ext uri="{91240B29-F687-4F45-9708-019B960494DF}">
+              <a14:hiddenLine xmlns:a14="http://schemas.microsoft.com/office/drawing/2010/main" w="9525">
+                <a:solidFill>
+                  <a:srgbClr val="000000"/>
+                </a:solidFill>
+                <a:miter lim="800000"/>
+                <a:headEnd/>
+                <a:tailEnd/>
+              </a14:hiddenLine>
+            </a:ext>
+          </a:extLst>
+        </p:spPr>
+        <p:txBody>
+          <a:bodyPr vert="horz" wrap="square" lIns="0" tIns="0" rIns="0" bIns="0" numCol="1" anchor="t" anchorCtr="0" compatLnSpc="1">
+            <a:prstTxWarp prst="textNoShape">
+              <a:avLst/>
+            </a:prstTxWarp>
+          </a:bodyPr>
+          <a:lstStyle/>
+          <a:p>
+            <a:pPr marL="0" marR="0" lvl="0" indent="0" algn="l" defTabSz="914400" rtl="0" eaLnBrk="0" fontAlgn="base" latinLnBrk="0" hangingPunct="0">
+              <a:lnSpc>
+                <a:spcPct val="100000"/>
+              </a:lnSpc>
+              <a:spcBef>
+                <a:spcPct val="0"/>
+              </a:spcBef>
+              <a:spcAft>
+                <a:spcPct val="0"/>
+              </a:spcAft>
+              <a:buClrTx/>
+              <a:buSzTx/>
+              <a:buFontTx/>
+              <a:buNone/>
+              <a:tabLst/>
+            </a:pPr>
+            <a:r>
+              <a:rPr kumimoji="0" lang="en-US" altLang="en-US" sz="1000" b="0" i="1" u="none" strike="noStrike" cap="none" normalizeH="0" baseline="0" dirty="0">
+                <a:ln>
+                  <a:noFill/>
+                </a:ln>
+                <a:solidFill>
+                  <a:schemeClr val="tx1"/>
+                </a:solidFill>
+                <a:effectLst/>
+                <a:latin typeface="Times New Roman" panose="02020603050405020304" pitchFamily="18" charset="0"/>
+                <a:ea typeface="Times New Roman" panose="02020603050405020304" pitchFamily="18" charset="0"/>
+                <a:cs typeface="Times New Roman" panose="02020603050405020304" pitchFamily="18" charset="0"/>
+              </a:rPr>
+              <a:t>User Requests  a</a:t>
+            </a:r>
+            <a:br>
+              <a:rPr kumimoji="0" lang="en-US" altLang="en-US" sz="1000" b="0" i="1" u="none" strike="noStrike" cap="none" normalizeH="0" baseline="0" dirty="0">
+                <a:ln>
+                  <a:noFill/>
+                </a:ln>
+                <a:solidFill>
+                  <a:schemeClr val="tx1"/>
+                </a:solidFill>
+                <a:effectLst/>
+                <a:latin typeface="Times New Roman" panose="02020603050405020304" pitchFamily="18" charset="0"/>
+                <a:ea typeface="Times New Roman" panose="02020603050405020304" pitchFamily="18" charset="0"/>
+                <a:cs typeface="Times New Roman" panose="02020603050405020304" pitchFamily="18" charset="0"/>
+              </a:rPr>
+            </a:br>
+            <a:r>
+              <a:rPr kumimoji="0" lang="en-US" altLang="en-US" sz="1000" b="0" i="1" u="none" strike="noStrike" cap="none" normalizeH="0" baseline="0" dirty="0">
+                <a:ln>
+                  <a:noFill/>
+                </a:ln>
+                <a:solidFill>
+                  <a:schemeClr val="tx1"/>
+                </a:solidFill>
+                <a:effectLst/>
+                <a:latin typeface="Times New Roman" panose="02020603050405020304" pitchFamily="18" charset="0"/>
+                <a:ea typeface="Times New Roman" panose="02020603050405020304" pitchFamily="18" charset="0"/>
+                <a:cs typeface="Times New Roman" panose="02020603050405020304" pitchFamily="18" charset="0"/>
+              </a:rPr>
+              <a:t>Document referenced in previous document </a:t>
+            </a:r>
+            <a:endParaRPr kumimoji="0" lang="en-US" altLang="en-US" sz="1800" b="0" i="0" u="none" strike="noStrike" cap="none" normalizeH="0" baseline="0" dirty="0">
+              <a:ln>
+                <a:noFill/>
+              </a:ln>
+              <a:solidFill>
+                <a:schemeClr val="tx1"/>
+              </a:solidFill>
+              <a:effectLst/>
+              <a:latin typeface="Times New Roman" panose="02020603050405020304" pitchFamily="18" charset="0"/>
+              <a:cs typeface="Times New Roman" panose="02020603050405020304" pitchFamily="18" charset="0"/>
+            </a:endParaRPr>
+          </a:p>
+        </p:txBody>
+      </p:sp>
+      <p:sp>
+        <p:nvSpPr>
+          <p:cNvPr id="20" name="Rectangle 16">
+            <a:extLst>
+              <a:ext uri="{FF2B5EF4-FFF2-40B4-BE49-F238E27FC236}">
+                <a16:creationId xmlns:a16="http://schemas.microsoft.com/office/drawing/2014/main" id="{EE63E25B-1D22-DB4D-8C39-CBF2D47C2170}"/>
+              </a:ext>
+            </a:extLst>
+          </p:cNvPr>
+          <p:cNvSpPr>
+            <a:spLocks noChangeArrowheads="1"/>
+          </p:cNvSpPr>
+          <p:nvPr/>
+        </p:nvSpPr>
+        <p:spPr bwMode="auto">
+          <a:xfrm>
+            <a:off x="1181100" y="3576638"/>
+            <a:ext cx="182563" cy="741362"/>
+          </a:xfrm>
+          <a:prstGeom prst="rect">
+            <a:avLst/>
+          </a:prstGeom>
+          <a:solidFill>
+            <a:srgbClr val="FFFFFF"/>
+          </a:solidFill>
+          <a:ln w="9525">
+            <a:solidFill>
+              <a:srgbClr val="000000"/>
+            </a:solidFill>
+            <a:miter lim="800000"/>
+            <a:headEnd/>
+            <a:tailEnd/>
+          </a:ln>
+        </p:spPr>
+        <p:txBody>
+          <a:bodyPr vert="horz" wrap="square" lIns="91440" tIns="45720" rIns="91440" bIns="45720" numCol="1" anchor="t" anchorCtr="0" compatLnSpc="1">
+            <a:prstTxWarp prst="textNoShape">
+              <a:avLst/>
+            </a:prstTxWarp>
+          </a:bodyPr>
+          <a:lstStyle/>
+          <a:p>
+            <a:endParaRPr lang="en-US"/>
+          </a:p>
+        </p:txBody>
+      </p:sp>
+      <p:sp>
+        <p:nvSpPr>
+          <p:cNvPr id="21" name="Rectangle 15">
+            <a:extLst>
+              <a:ext uri="{FF2B5EF4-FFF2-40B4-BE49-F238E27FC236}">
+                <a16:creationId xmlns:a16="http://schemas.microsoft.com/office/drawing/2014/main" id="{722ACAE0-98C4-6443-98A3-75B3530EC588}"/>
+              </a:ext>
+            </a:extLst>
+          </p:cNvPr>
+          <p:cNvSpPr>
+            <a:spLocks noChangeArrowheads="1"/>
+          </p:cNvSpPr>
+          <p:nvPr/>
+        </p:nvSpPr>
+        <p:spPr bwMode="auto">
+          <a:xfrm>
+            <a:off x="3343275" y="3576638"/>
+            <a:ext cx="231775" cy="1014412"/>
+          </a:xfrm>
+          <a:prstGeom prst="rect">
+            <a:avLst/>
+          </a:prstGeom>
+          <a:solidFill>
+            <a:srgbClr val="FFFFFF"/>
+          </a:solidFill>
+          <a:ln w="9525">
+            <a:solidFill>
+              <a:srgbClr val="000000"/>
+            </a:solidFill>
+            <a:miter lim="800000"/>
+            <a:headEnd/>
+            <a:tailEnd/>
+          </a:ln>
+        </p:spPr>
+        <p:txBody>
+          <a:bodyPr vert="horz" wrap="square" lIns="91440" tIns="45720" rIns="91440" bIns="45720" numCol="1" anchor="t" anchorCtr="0" compatLnSpc="1">
+            <a:prstTxWarp prst="textNoShape">
+              <a:avLst/>
+            </a:prstTxWarp>
+          </a:bodyPr>
+          <a:lstStyle/>
+          <a:p>
+            <a:endParaRPr lang="en-US"/>
+          </a:p>
+        </p:txBody>
+      </p:sp>
+      <p:sp>
+        <p:nvSpPr>
+          <p:cNvPr id="22" name="Text Box 11">
+            <a:extLst>
+              <a:ext uri="{FF2B5EF4-FFF2-40B4-BE49-F238E27FC236}">
+                <a16:creationId xmlns:a16="http://schemas.microsoft.com/office/drawing/2014/main" id="{31C24C4E-CC2F-8044-83ED-005381AD696F}"/>
+              </a:ext>
+            </a:extLst>
+          </p:cNvPr>
+          <p:cNvSpPr txBox="1">
+            <a:spLocks noChangeArrowheads="1"/>
+          </p:cNvSpPr>
+          <p:nvPr/>
+        </p:nvSpPr>
+        <p:spPr bwMode="auto">
+          <a:xfrm>
+            <a:off x="0" y="3698875"/>
+            <a:ext cx="836613" cy="704850"/>
+          </a:xfrm>
+          <a:prstGeom prst="rect">
+            <a:avLst/>
+          </a:prstGeom>
+          <a:solidFill>
+            <a:srgbClr val="FFFFFF"/>
+          </a:solidFill>
+          <a:ln>
+            <a:noFill/>
+          </a:ln>
+          <a:extLst>
+            <a:ext uri="{91240B29-F687-4F45-9708-019B960494DF}">
+              <a14:hiddenLine xmlns:a14="http://schemas.microsoft.com/office/drawing/2010/main" w="9525">
+                <a:solidFill>
+                  <a:srgbClr val="000000"/>
+                </a:solidFill>
+                <a:miter lim="800000"/>
+                <a:headEnd/>
+                <a:tailEnd/>
+              </a14:hiddenLine>
+            </a:ext>
+          </a:extLst>
+        </p:spPr>
+        <p:txBody>
+          <a:bodyPr vert="horz" wrap="square" lIns="0" tIns="0" rIns="0" bIns="0" numCol="1" anchor="t" anchorCtr="0" compatLnSpc="1">
+            <a:prstTxWarp prst="textNoShape">
+              <a:avLst/>
+            </a:prstTxWarp>
+          </a:bodyPr>
+          <a:lstStyle/>
+          <a:p>
+            <a:pPr marL="0" marR="0" lvl="0" indent="0" algn="l" defTabSz="914400" rtl="0" eaLnBrk="0" fontAlgn="base" latinLnBrk="0" hangingPunct="0">
+              <a:lnSpc>
+                <a:spcPct val="100000"/>
+              </a:lnSpc>
+              <a:spcBef>
+                <a:spcPct val="0"/>
+              </a:spcBef>
+              <a:spcAft>
+                <a:spcPct val="0"/>
+              </a:spcAft>
+              <a:buClrTx/>
+              <a:buSzTx/>
+              <a:buFontTx/>
+              <a:buNone/>
+              <a:tabLst/>
+            </a:pPr>
+            <a:r>
+              <a:rPr kumimoji="0" lang="en-US" altLang="en-US" sz="1000" b="0" i="1" u="none" strike="noStrike" cap="none" normalizeH="0" baseline="0">
+                <a:ln>
+                  <a:noFill/>
+                </a:ln>
+                <a:solidFill>
+                  <a:schemeClr val="tx1"/>
+                </a:solidFill>
+                <a:effectLst/>
+                <a:latin typeface="Times New Roman" panose="02020603050405020304" pitchFamily="18" charset="0"/>
+                <a:ea typeface="Times New Roman" panose="02020603050405020304" pitchFamily="18" charset="0"/>
+                <a:cs typeface="Times New Roman" panose="02020603050405020304" pitchFamily="18" charset="0"/>
+              </a:rPr>
+              <a:t>Prepare Selected</a:t>
+            </a:r>
+            <a:br>
+              <a:rPr kumimoji="0" lang="en-US" altLang="en-US" sz="1000" b="0" i="1" u="none" strike="noStrike" cap="none" normalizeH="0" baseline="0">
+                <a:ln>
+                  <a:noFill/>
+                </a:ln>
+                <a:solidFill>
+                  <a:schemeClr val="tx1"/>
+                </a:solidFill>
+                <a:effectLst/>
+                <a:latin typeface="Times New Roman" panose="02020603050405020304" pitchFamily="18" charset="0"/>
+                <a:ea typeface="Times New Roman" panose="02020603050405020304" pitchFamily="18" charset="0"/>
+                <a:cs typeface="Times New Roman" panose="02020603050405020304" pitchFamily="18" charset="0"/>
+              </a:rPr>
+            </a:br>
+            <a:r>
+              <a:rPr kumimoji="0" lang="en-US" altLang="en-US" sz="1000" b="0" i="1" u="none" strike="noStrike" cap="none" normalizeH="0" baseline="0">
+                <a:ln>
+                  <a:noFill/>
+                </a:ln>
+                <a:solidFill>
+                  <a:schemeClr val="tx1"/>
+                </a:solidFill>
+                <a:effectLst/>
+                <a:latin typeface="Times New Roman" panose="02020603050405020304" pitchFamily="18" charset="0"/>
+                <a:ea typeface="Times New Roman" panose="02020603050405020304" pitchFamily="18" charset="0"/>
+                <a:cs typeface="Times New Roman" panose="02020603050405020304" pitchFamily="18" charset="0"/>
+              </a:rPr>
+              <a:t>Document for Display </a:t>
+            </a:r>
+            <a:endParaRPr kumimoji="0" lang="en-US" altLang="en-US" sz="1800" b="0" i="0" u="none" strike="noStrike" cap="none" normalizeH="0" baseline="0">
+              <a:ln>
+                <a:noFill/>
+              </a:ln>
+              <a:solidFill>
+                <a:schemeClr val="tx1"/>
+              </a:solidFill>
+              <a:effectLst/>
+              <a:latin typeface="Times New Roman" panose="02020603050405020304" pitchFamily="18" charset="0"/>
+              <a:cs typeface="Times New Roman" panose="02020603050405020304" pitchFamily="18" charset="0"/>
+            </a:endParaRPr>
+          </a:p>
+        </p:txBody>
+      </p:sp>
+      <p:sp>
+        <p:nvSpPr>
+          <p:cNvPr id="23" name="Text Box 7">
+            <a:extLst>
+              <a:ext uri="{FF2B5EF4-FFF2-40B4-BE49-F238E27FC236}">
+                <a16:creationId xmlns:a16="http://schemas.microsoft.com/office/drawing/2014/main" id="{77779089-0A91-1249-89A0-5B7A32BE2938}"/>
+              </a:ext>
+            </a:extLst>
+          </p:cNvPr>
+          <p:cNvSpPr txBox="1">
+            <a:spLocks noChangeArrowheads="1"/>
+          </p:cNvSpPr>
+          <p:nvPr/>
+        </p:nvSpPr>
+        <p:spPr bwMode="auto">
+          <a:xfrm>
+            <a:off x="3990975" y="4137025"/>
+            <a:ext cx="788988" cy="485775"/>
+          </a:xfrm>
+          <a:prstGeom prst="rect">
+            <a:avLst/>
+          </a:prstGeom>
+          <a:solidFill>
+            <a:srgbClr val="FFFFFF"/>
+          </a:solidFill>
+          <a:ln>
+            <a:noFill/>
+          </a:ln>
+          <a:extLst>
+            <a:ext uri="{91240B29-F687-4F45-9708-019B960494DF}">
+              <a14:hiddenLine xmlns:a14="http://schemas.microsoft.com/office/drawing/2010/main" w="9525">
+                <a:solidFill>
+                  <a:srgbClr val="000000"/>
+                </a:solidFill>
+                <a:miter lim="800000"/>
+                <a:headEnd/>
+                <a:tailEnd/>
+              </a14:hiddenLine>
+            </a:ext>
+          </a:extLst>
+        </p:spPr>
+        <p:txBody>
+          <a:bodyPr vert="horz" wrap="square" lIns="0" tIns="0" rIns="0" bIns="0" numCol="1" anchor="t" anchorCtr="0" compatLnSpc="1">
+            <a:prstTxWarp prst="textNoShape">
+              <a:avLst/>
+            </a:prstTxWarp>
+          </a:bodyPr>
+          <a:lstStyle/>
+          <a:p>
+            <a:pPr marL="0" marR="0" lvl="0" indent="0" algn="l" defTabSz="914400" rtl="0" eaLnBrk="0" fontAlgn="base" latinLnBrk="0" hangingPunct="0">
+              <a:lnSpc>
+                <a:spcPct val="100000"/>
+              </a:lnSpc>
+              <a:spcBef>
+                <a:spcPct val="0"/>
+              </a:spcBef>
+              <a:spcAft>
+                <a:spcPct val="0"/>
+              </a:spcAft>
+              <a:buClrTx/>
+              <a:buSzTx/>
+              <a:buFontTx/>
+              <a:buNone/>
+              <a:tabLst/>
+            </a:pPr>
+            <a:r>
+              <a:rPr kumimoji="0" lang="en-US" altLang="en-US" sz="1000" b="0" i="1" u="none" strike="noStrike" cap="none" normalizeH="0" baseline="0">
+                <a:ln>
+                  <a:noFill/>
+                </a:ln>
+                <a:solidFill>
+                  <a:schemeClr val="tx1"/>
+                </a:solidFill>
+                <a:effectLst/>
+                <a:latin typeface="Times New Roman" panose="02020603050405020304" pitchFamily="18" charset="0"/>
+                <a:ea typeface="Times New Roman" panose="02020603050405020304" pitchFamily="18" charset="0"/>
+                <a:cs typeface="Times New Roman" panose="02020603050405020304" pitchFamily="18" charset="0"/>
+              </a:rPr>
+              <a:t>Display</a:t>
+            </a:r>
+            <a:br>
+              <a:rPr kumimoji="0" lang="en-US" altLang="en-US" sz="1000" b="0" i="1" u="none" strike="noStrike" cap="none" normalizeH="0" baseline="0">
+                <a:ln>
+                  <a:noFill/>
+                </a:ln>
+                <a:solidFill>
+                  <a:schemeClr val="tx1"/>
+                </a:solidFill>
+                <a:effectLst/>
+                <a:latin typeface="Times New Roman" panose="02020603050405020304" pitchFamily="18" charset="0"/>
+                <a:ea typeface="Times New Roman" panose="02020603050405020304" pitchFamily="18" charset="0"/>
+                <a:cs typeface="Times New Roman" panose="02020603050405020304" pitchFamily="18" charset="0"/>
+              </a:rPr>
+            </a:br>
+            <a:r>
+              <a:rPr kumimoji="0" lang="en-US" altLang="en-US" sz="1000" b="0" i="1" u="none" strike="noStrike" cap="none" normalizeH="0" baseline="0">
+                <a:ln>
+                  <a:noFill/>
+                </a:ln>
+                <a:solidFill>
+                  <a:schemeClr val="tx1"/>
+                </a:solidFill>
+                <a:effectLst/>
+                <a:latin typeface="Times New Roman" panose="02020603050405020304" pitchFamily="18" charset="0"/>
+                <a:ea typeface="Times New Roman" panose="02020603050405020304" pitchFamily="18" charset="0"/>
+                <a:cs typeface="Times New Roman" panose="02020603050405020304" pitchFamily="18" charset="0"/>
+              </a:rPr>
+              <a:t>Document Content</a:t>
+            </a:r>
+            <a:endParaRPr kumimoji="0" lang="en-US" altLang="en-US" sz="1800" b="0" i="0" u="none" strike="noStrike" cap="none" normalizeH="0" baseline="0">
+              <a:ln>
+                <a:noFill/>
+              </a:ln>
+              <a:solidFill>
+                <a:schemeClr val="tx1"/>
+              </a:solidFill>
+              <a:effectLst/>
+              <a:latin typeface="Times New Roman" panose="02020603050405020304" pitchFamily="18" charset="0"/>
+              <a:cs typeface="Times New Roman" panose="02020603050405020304" pitchFamily="18" charset="0"/>
+            </a:endParaRPr>
+          </a:p>
+        </p:txBody>
+      </p:sp>
+      <p:sp>
+        <p:nvSpPr>
+          <p:cNvPr id="24" name="Text Box 6">
+            <a:extLst>
+              <a:ext uri="{FF2B5EF4-FFF2-40B4-BE49-F238E27FC236}">
+                <a16:creationId xmlns:a16="http://schemas.microsoft.com/office/drawing/2014/main" id="{D740F7E4-D0D9-4F4C-AE0C-86D3C3614837}"/>
+              </a:ext>
+            </a:extLst>
+          </p:cNvPr>
+          <p:cNvSpPr txBox="1">
+            <a:spLocks noChangeArrowheads="1"/>
+          </p:cNvSpPr>
+          <p:nvPr/>
+        </p:nvSpPr>
+        <p:spPr bwMode="auto">
+          <a:xfrm>
+            <a:off x="1743075" y="2362200"/>
+            <a:ext cx="1182688" cy="342900"/>
           </a:xfrm>
           <a:prstGeom prst="rect">
             <a:avLst/>
@@ -3933,37 +5250,11 @@
                   <a:schemeClr val="tx1"/>
                 </a:solidFill>
                 <a:effectLst/>
-                <a:latin typeface="Arial" panose="020B0604020202020204" pitchFamily="34" charset="0"/>
+                <a:latin typeface="Times New Roman" panose="02020603050405020304" pitchFamily="18" charset="0"/>
                 <a:ea typeface="Times New Roman" panose="02020603050405020304" pitchFamily="18" charset="0"/>
+                <a:cs typeface="Times New Roman" panose="02020603050405020304" pitchFamily="18" charset="0"/>
               </a:rPr>
-              <a:t>Retrieve Specific</a:t>
-            </a:r>
-            <a:br>
-              <a:rPr kumimoji="0" lang="en-US" altLang="en-US" sz="1000" b="0" i="0" u="none" strike="noStrike" cap="none" normalizeH="0" baseline="0">
-                <a:ln>
-                  <a:noFill/>
-                </a:ln>
-                <a:solidFill>
-                  <a:schemeClr val="tx1"/>
-                </a:solidFill>
-                <a:effectLst/>
-                <a:latin typeface="Arial" panose="020B0604020202020204" pitchFamily="34" charset="0"/>
-                <a:ea typeface="Times New Roman" panose="02020603050405020304" pitchFamily="18" charset="0"/>
-              </a:rPr>
-            </a:br>
-            <a:r>
-              <a:rPr kumimoji="0" lang="en-US" altLang="en-US" sz="1000" b="0" i="0" u="none" strike="noStrike" cap="none" normalizeH="0" baseline="0">
-                <a:ln>
-                  <a:noFill/>
-                </a:ln>
-                <a:solidFill>
-                  <a:schemeClr val="tx1"/>
-                </a:solidFill>
-                <a:effectLst/>
-                <a:latin typeface="Arial" panose="020B0604020202020204" pitchFamily="34" charset="0"/>
-                <a:ea typeface="Times New Roman" panose="02020603050405020304" pitchFamily="18" charset="0"/>
-              </a:rPr>
-              <a:t>Info for Display [ITI-11]</a:t>
+              <a:t>Retrieve Document for Display [ITI-12]</a:t>
             </a:r>
             <a:endParaRPr kumimoji="0" lang="en-US" altLang="en-US" sz="1800" b="0" i="0" u="none" strike="noStrike" cap="none" normalizeH="0" baseline="0">
               <a:ln>
@@ -3973,1183 +5264,29 @@
                 <a:schemeClr val="tx1"/>
               </a:solidFill>
               <a:effectLst/>
-              <a:latin typeface="Arial" panose="020B0604020202020204" pitchFamily="34" charset="0"/>
+              <a:latin typeface="Times New Roman" panose="02020603050405020304" pitchFamily="18" charset="0"/>
+              <a:cs typeface="Times New Roman" panose="02020603050405020304" pitchFamily="18" charset="0"/>
             </a:endParaRPr>
           </a:p>
         </p:txBody>
       </p:sp>
       <p:sp>
         <p:nvSpPr>
-          <p:cNvPr id="11" name="Rectangle 43">
-            <a:extLst>
-              <a:ext uri="{FF2B5EF4-FFF2-40B4-BE49-F238E27FC236}">
-                <a16:creationId xmlns:a16="http://schemas.microsoft.com/office/drawing/2014/main" id="{E875FEB0-2CE3-CB4E-AE0C-35B3D165D3B7}"/>
-              </a:ext>
-            </a:extLst>
-          </p:cNvPr>
-          <p:cNvSpPr>
+          <p:cNvPr id="25" name="Text Box 5">
+            <a:extLst>
+              <a:ext uri="{FF2B5EF4-FFF2-40B4-BE49-F238E27FC236}">
+                <a16:creationId xmlns:a16="http://schemas.microsoft.com/office/drawing/2014/main" id="{D28F36D4-BDCA-D941-A2D6-478BDB7149BF}"/>
+              </a:ext>
+            </a:extLst>
+          </p:cNvPr>
+          <p:cNvSpPr txBox="1">
             <a:spLocks noChangeArrowheads="1"/>
           </p:cNvSpPr>
           <p:nvPr/>
         </p:nvSpPr>
         <p:spPr bwMode="auto">
           <a:xfrm>
-            <a:off x="3343275" y="1081088"/>
-            <a:ext cx="203200" cy="795337"/>
-          </a:xfrm>
-          <a:prstGeom prst="rect">
-            <a:avLst/>
-          </a:prstGeom>
-          <a:solidFill>
-            <a:srgbClr val="FFFFFF"/>
-          </a:solidFill>
-          <a:ln w="9525">
-            <a:solidFill>
-              <a:srgbClr val="000000"/>
-            </a:solidFill>
-            <a:miter lim="800000"/>
-            <a:headEnd/>
-            <a:tailEnd/>
-          </a:ln>
-        </p:spPr>
-        <p:txBody>
-          <a:bodyPr vert="horz" wrap="square" lIns="91440" tIns="45720" rIns="91440" bIns="45720" numCol="1" anchor="t" anchorCtr="0" compatLnSpc="1">
-            <a:prstTxWarp prst="textNoShape">
-              <a:avLst/>
-            </a:prstTxWarp>
-          </a:bodyPr>
-          <a:lstStyle/>
-          <a:p>
-            <a:endParaRPr lang="en-US"/>
-          </a:p>
-        </p:txBody>
-      </p:sp>
-      <p:sp>
-        <p:nvSpPr>
-          <p:cNvPr id="12" name="Text Box 39">
-            <a:extLst>
-              <a:ext uri="{FF2B5EF4-FFF2-40B4-BE49-F238E27FC236}">
-                <a16:creationId xmlns:a16="http://schemas.microsoft.com/office/drawing/2014/main" id="{84859B71-2EE1-F842-8792-D94C192A47C8}"/>
-              </a:ext>
-            </a:extLst>
-          </p:cNvPr>
-          <p:cNvSpPr txBox="1">
-            <a:spLocks noChangeArrowheads="1"/>
-          </p:cNvSpPr>
-          <p:nvPr/>
-        </p:nvSpPr>
-        <p:spPr bwMode="auto">
-          <a:xfrm>
-            <a:off x="38100" y="1108075"/>
-            <a:ext cx="788988" cy="657225"/>
-          </a:xfrm>
-          <a:prstGeom prst="rect">
-            <a:avLst/>
-          </a:prstGeom>
-          <a:solidFill>
-            <a:srgbClr val="FFFFFF"/>
-          </a:solidFill>
-          <a:ln>
-            <a:noFill/>
-          </a:ln>
-          <a:extLst>
-            <a:ext uri="{91240B29-F687-4F45-9708-019B960494DF}">
-              <a14:hiddenLine xmlns:a14="http://schemas.microsoft.com/office/drawing/2010/main" w="9525">
-                <a:solidFill>
-                  <a:srgbClr val="000000"/>
-                </a:solidFill>
-                <a:miter lim="800000"/>
-                <a:headEnd/>
-                <a:tailEnd/>
-              </a14:hiddenLine>
-            </a:ext>
-          </a:extLst>
-        </p:spPr>
-        <p:txBody>
-          <a:bodyPr vert="horz" wrap="square" lIns="0" tIns="0" rIns="0" bIns="0" numCol="1" anchor="t" anchorCtr="0" compatLnSpc="1">
-            <a:prstTxWarp prst="textNoShape">
-              <a:avLst/>
-            </a:prstTxWarp>
-          </a:bodyPr>
-          <a:lstStyle/>
-          <a:p>
-            <a:pPr marL="0" marR="0" lvl="0" indent="0" algn="l" defTabSz="914400" rtl="0" eaLnBrk="0" fontAlgn="base" latinLnBrk="0" hangingPunct="0">
-              <a:lnSpc>
-                <a:spcPct val="100000"/>
-              </a:lnSpc>
-              <a:spcBef>
-                <a:spcPct val="0"/>
-              </a:spcBef>
-              <a:spcAft>
-                <a:spcPct val="0"/>
-              </a:spcAft>
-              <a:buClrTx/>
-              <a:buSzTx/>
-              <a:buFontTx/>
-              <a:buNone/>
-              <a:tabLst/>
-            </a:pPr>
-            <a:r>
-              <a:rPr kumimoji="0" lang="en-US" altLang="en-US" sz="1000" b="0" i="1" u="none" strike="noStrike" cap="none" normalizeH="0" baseline="0">
-                <a:ln>
-                  <a:noFill/>
-                </a:ln>
-                <a:solidFill>
-                  <a:schemeClr val="tx1"/>
-                </a:solidFill>
-                <a:effectLst/>
-                <a:latin typeface="Arial" panose="020B0604020202020204" pitchFamily="34" charset="0"/>
-                <a:ea typeface="Times New Roman" panose="02020603050405020304" pitchFamily="18" charset="0"/>
-              </a:rPr>
-              <a:t>Prepare Specific</a:t>
-            </a:r>
-            <a:br>
-              <a:rPr kumimoji="0" lang="en-US" altLang="en-US" sz="1000" b="0" i="1" u="none" strike="noStrike" cap="none" normalizeH="0" baseline="0">
-                <a:ln>
-                  <a:noFill/>
-                </a:ln>
-                <a:solidFill>
-                  <a:schemeClr val="tx1"/>
-                </a:solidFill>
-                <a:effectLst/>
-                <a:latin typeface="Arial" panose="020B0604020202020204" pitchFamily="34" charset="0"/>
-                <a:ea typeface="Times New Roman" panose="02020603050405020304" pitchFamily="18" charset="0"/>
-              </a:rPr>
-            </a:br>
-            <a:r>
-              <a:rPr kumimoji="0" lang="en-US" altLang="en-US" sz="1000" b="0" i="1" u="none" strike="noStrike" cap="none" normalizeH="0" baseline="0">
-                <a:ln>
-                  <a:noFill/>
-                </a:ln>
-                <a:solidFill>
-                  <a:schemeClr val="tx1"/>
-                </a:solidFill>
-                <a:effectLst/>
-                <a:latin typeface="Arial" panose="020B0604020202020204" pitchFamily="34" charset="0"/>
-                <a:ea typeface="Times New Roman" panose="02020603050405020304" pitchFamily="18" charset="0"/>
-              </a:rPr>
-              <a:t>Information for Display </a:t>
-            </a:r>
-            <a:endParaRPr kumimoji="0" lang="en-US" altLang="en-US" sz="1800" b="0" i="0" u="none" strike="noStrike" cap="none" normalizeH="0" baseline="0">
-              <a:ln>
-                <a:noFill/>
-              </a:ln>
-              <a:solidFill>
-                <a:schemeClr val="tx1"/>
-              </a:solidFill>
-              <a:effectLst/>
-              <a:latin typeface="Arial" panose="020B0604020202020204" pitchFamily="34" charset="0"/>
-            </a:endParaRPr>
-          </a:p>
-        </p:txBody>
-      </p:sp>
-      <p:sp>
-        <p:nvSpPr>
-          <p:cNvPr id="13" name="Text Box 35">
-            <a:extLst>
-              <a:ext uri="{FF2B5EF4-FFF2-40B4-BE49-F238E27FC236}">
-                <a16:creationId xmlns:a16="http://schemas.microsoft.com/office/drawing/2014/main" id="{14F21E0F-0831-8440-BE7E-732897C1CD94}"/>
-              </a:ext>
-            </a:extLst>
-          </p:cNvPr>
-          <p:cNvSpPr txBox="1">
-            <a:spLocks noChangeArrowheads="1"/>
-          </p:cNvSpPr>
-          <p:nvPr/>
-        </p:nvSpPr>
-        <p:spPr bwMode="auto">
-          <a:xfrm>
-            <a:off x="3867150" y="1565275"/>
-            <a:ext cx="788988" cy="304800"/>
-          </a:xfrm>
-          <a:prstGeom prst="rect">
-            <a:avLst/>
-          </a:prstGeom>
-          <a:solidFill>
-            <a:srgbClr val="FFFFFF"/>
-          </a:solidFill>
-          <a:ln>
-            <a:noFill/>
-          </a:ln>
-          <a:extLst>
-            <a:ext uri="{91240B29-F687-4F45-9708-019B960494DF}">
-              <a14:hiddenLine xmlns:a14="http://schemas.microsoft.com/office/drawing/2010/main" w="9525">
-                <a:solidFill>
-                  <a:srgbClr val="000000"/>
-                </a:solidFill>
-                <a:miter lim="800000"/>
-                <a:headEnd/>
-                <a:tailEnd/>
-              </a14:hiddenLine>
-            </a:ext>
-          </a:extLst>
-        </p:spPr>
-        <p:txBody>
-          <a:bodyPr vert="horz" wrap="square" lIns="0" tIns="0" rIns="0" bIns="0" numCol="1" anchor="t" anchorCtr="0" compatLnSpc="1">
-            <a:prstTxWarp prst="textNoShape">
-              <a:avLst/>
-            </a:prstTxWarp>
-          </a:bodyPr>
-          <a:lstStyle/>
-          <a:p>
-            <a:pPr marL="0" marR="0" lvl="0" indent="0" algn="l" defTabSz="914400" rtl="0" eaLnBrk="0" fontAlgn="base" latinLnBrk="0" hangingPunct="0">
-              <a:lnSpc>
-                <a:spcPct val="100000"/>
-              </a:lnSpc>
-              <a:spcBef>
-                <a:spcPct val="0"/>
-              </a:spcBef>
-              <a:spcAft>
-                <a:spcPct val="0"/>
-              </a:spcAft>
-              <a:buClrTx/>
-              <a:buSzTx/>
-              <a:buFontTx/>
-              <a:buNone/>
-              <a:tabLst/>
-            </a:pPr>
-            <a:r>
-              <a:rPr kumimoji="0" lang="en-US" altLang="en-US" sz="1000" b="0" i="1" u="none" strike="noStrike" cap="none" normalizeH="0" baseline="0">
-                <a:ln>
-                  <a:noFill/>
-                </a:ln>
-                <a:solidFill>
-                  <a:schemeClr val="tx1"/>
-                </a:solidFill>
-                <a:effectLst/>
-                <a:latin typeface="Arial" panose="020B0604020202020204" pitchFamily="34" charset="0"/>
-                <a:ea typeface="Times New Roman" panose="02020603050405020304" pitchFamily="18" charset="0"/>
-              </a:rPr>
-              <a:t>Display Information </a:t>
-            </a:r>
-            <a:endParaRPr kumimoji="0" lang="en-US" altLang="en-US" sz="1800" b="0" i="0" u="none" strike="noStrike" cap="none" normalizeH="0" baseline="0">
-              <a:ln>
-                <a:noFill/>
-              </a:ln>
-              <a:solidFill>
-                <a:schemeClr val="tx1"/>
-              </a:solidFill>
-              <a:effectLst/>
-              <a:latin typeface="Arial" panose="020B0604020202020204" pitchFamily="34" charset="0"/>
-            </a:endParaRPr>
-          </a:p>
-        </p:txBody>
-      </p:sp>
-      <p:sp>
-        <p:nvSpPr>
-          <p:cNvPr id="14" name="Text Box 31">
-            <a:extLst>
-              <a:ext uri="{FF2B5EF4-FFF2-40B4-BE49-F238E27FC236}">
-                <a16:creationId xmlns:a16="http://schemas.microsoft.com/office/drawing/2014/main" id="{13AB406F-235E-034D-8A76-7EA3E3904B92}"/>
-              </a:ext>
-            </a:extLst>
-          </p:cNvPr>
-          <p:cNvSpPr txBox="1">
-            <a:spLocks noChangeArrowheads="1"/>
-          </p:cNvSpPr>
-          <p:nvPr/>
-        </p:nvSpPr>
-        <p:spPr bwMode="auto">
-          <a:xfrm>
-            <a:off x="3876675" y="2060575"/>
-            <a:ext cx="1322388" cy="628650"/>
-          </a:xfrm>
-          <a:prstGeom prst="rect">
-            <a:avLst/>
-          </a:prstGeom>
-          <a:solidFill>
-            <a:srgbClr val="FFFFFF"/>
-          </a:solidFill>
-          <a:ln>
-            <a:noFill/>
-          </a:ln>
-          <a:extLst>
-            <a:ext uri="{91240B29-F687-4F45-9708-019B960494DF}">
-              <a14:hiddenLine xmlns:a14="http://schemas.microsoft.com/office/drawing/2010/main" w="9525">
-                <a:solidFill>
-                  <a:srgbClr val="000000"/>
-                </a:solidFill>
-                <a:miter lim="800000"/>
-                <a:headEnd/>
-                <a:tailEnd/>
-              </a14:hiddenLine>
-            </a:ext>
-          </a:extLst>
-        </p:spPr>
-        <p:txBody>
-          <a:bodyPr vert="horz" wrap="square" lIns="0" tIns="0" rIns="0" bIns="0" numCol="1" anchor="t" anchorCtr="0" compatLnSpc="1">
-            <a:prstTxWarp prst="textNoShape">
-              <a:avLst/>
-            </a:prstTxWarp>
-          </a:bodyPr>
-          <a:lstStyle/>
-          <a:p>
-            <a:pPr marL="0" marR="0" lvl="0" indent="0" algn="l" defTabSz="914400" rtl="0" eaLnBrk="0" fontAlgn="base" latinLnBrk="0" hangingPunct="0">
-              <a:lnSpc>
-                <a:spcPct val="100000"/>
-              </a:lnSpc>
-              <a:spcBef>
-                <a:spcPct val="0"/>
-              </a:spcBef>
-              <a:spcAft>
-                <a:spcPct val="0"/>
-              </a:spcAft>
-              <a:buClrTx/>
-              <a:buSzTx/>
-              <a:buFontTx/>
-              <a:buNone/>
-              <a:tabLst/>
-            </a:pPr>
-            <a:r>
-              <a:rPr kumimoji="0" lang="en-US" altLang="en-US" sz="1000" b="0" i="1" u="none" strike="noStrike" cap="none" normalizeH="0" baseline="0">
-                <a:ln>
-                  <a:noFill/>
-                </a:ln>
-                <a:solidFill>
-                  <a:schemeClr val="tx1"/>
-                </a:solidFill>
-                <a:effectLst/>
-                <a:latin typeface="Arial" panose="020B0604020202020204" pitchFamily="34" charset="0"/>
-                <a:ea typeface="Times New Roman" panose="02020603050405020304" pitchFamily="18" charset="0"/>
-              </a:rPr>
-              <a:t>User Requests a</a:t>
-            </a:r>
-            <a:br>
-              <a:rPr kumimoji="0" lang="en-US" altLang="en-US" sz="1000" b="0" i="1" u="none" strike="noStrike" cap="none" normalizeH="0" baseline="0">
-                <a:ln>
-                  <a:noFill/>
-                </a:ln>
-                <a:solidFill>
-                  <a:schemeClr val="tx1"/>
-                </a:solidFill>
-                <a:effectLst/>
-                <a:latin typeface="Arial" panose="020B0604020202020204" pitchFamily="34" charset="0"/>
-                <a:ea typeface="Times New Roman" panose="02020603050405020304" pitchFamily="18" charset="0"/>
-              </a:rPr>
-            </a:br>
-            <a:r>
-              <a:rPr kumimoji="0" lang="en-US" altLang="en-US" sz="1000" b="0" i="1" u="none" strike="noStrike" cap="none" normalizeH="0" baseline="0">
-                <a:ln>
-                  <a:noFill/>
-                </a:ln>
-                <a:solidFill>
-                  <a:schemeClr val="tx1"/>
-                </a:solidFill>
-                <a:effectLst/>
-                <a:latin typeface="Arial" panose="020B0604020202020204" pitchFamily="34" charset="0"/>
-                <a:ea typeface="Times New Roman" panose="02020603050405020304" pitchFamily="18" charset="0"/>
-              </a:rPr>
-              <a:t>Document referenced in previous information returned</a:t>
-            </a:r>
-            <a:endParaRPr kumimoji="0" lang="en-US" altLang="en-US" sz="1800" b="0" i="0" u="none" strike="noStrike" cap="none" normalizeH="0" baseline="0">
-              <a:ln>
-                <a:noFill/>
-              </a:ln>
-              <a:solidFill>
-                <a:schemeClr val="tx1"/>
-              </a:solidFill>
-              <a:effectLst/>
-              <a:latin typeface="Arial" panose="020B0604020202020204" pitchFamily="34" charset="0"/>
-            </a:endParaRPr>
-          </a:p>
-        </p:txBody>
-      </p:sp>
-      <p:sp>
-        <p:nvSpPr>
-          <p:cNvPr id="15" name="Rectangle 30">
-            <a:extLst>
-              <a:ext uri="{FF2B5EF4-FFF2-40B4-BE49-F238E27FC236}">
-                <a16:creationId xmlns:a16="http://schemas.microsoft.com/office/drawing/2014/main" id="{DCE1C971-E7D8-354F-835F-116C903BCA8F}"/>
-              </a:ext>
-            </a:extLst>
-          </p:cNvPr>
-          <p:cNvSpPr>
-            <a:spLocks noChangeArrowheads="1"/>
-          </p:cNvSpPr>
-          <p:nvPr/>
-        </p:nvSpPr>
-        <p:spPr bwMode="auto">
-          <a:xfrm>
-            <a:off x="1181100" y="2357438"/>
-            <a:ext cx="182563" cy="741362"/>
-          </a:xfrm>
-          <a:prstGeom prst="rect">
-            <a:avLst/>
-          </a:prstGeom>
-          <a:solidFill>
-            <a:srgbClr val="FFFFFF"/>
-          </a:solidFill>
-          <a:ln w="9525">
-            <a:solidFill>
-              <a:srgbClr val="000000"/>
-            </a:solidFill>
-            <a:miter lim="800000"/>
-            <a:headEnd/>
-            <a:tailEnd/>
-          </a:ln>
-        </p:spPr>
-        <p:txBody>
-          <a:bodyPr vert="horz" wrap="square" lIns="91440" tIns="45720" rIns="91440" bIns="45720" numCol="1" anchor="t" anchorCtr="0" compatLnSpc="1">
-            <a:prstTxWarp prst="textNoShape">
-              <a:avLst/>
-            </a:prstTxWarp>
-          </a:bodyPr>
-          <a:lstStyle/>
-          <a:p>
-            <a:endParaRPr lang="en-US"/>
-          </a:p>
-        </p:txBody>
-      </p:sp>
-      <p:sp>
-        <p:nvSpPr>
-          <p:cNvPr id="16" name="Rectangle 29">
-            <a:extLst>
-              <a:ext uri="{FF2B5EF4-FFF2-40B4-BE49-F238E27FC236}">
-                <a16:creationId xmlns:a16="http://schemas.microsoft.com/office/drawing/2014/main" id="{8D0C0ACC-F4BB-8E45-9032-71F1089C3F55}"/>
-              </a:ext>
-            </a:extLst>
-          </p:cNvPr>
-          <p:cNvSpPr>
-            <a:spLocks noChangeArrowheads="1"/>
-          </p:cNvSpPr>
-          <p:nvPr/>
-        </p:nvSpPr>
-        <p:spPr bwMode="auto">
-          <a:xfrm>
-            <a:off x="3343275" y="2185988"/>
-            <a:ext cx="231775" cy="957262"/>
-          </a:xfrm>
-          <a:prstGeom prst="rect">
-            <a:avLst/>
-          </a:prstGeom>
-          <a:solidFill>
-            <a:srgbClr val="FFFFFF"/>
-          </a:solidFill>
-          <a:ln w="9525">
-            <a:solidFill>
-              <a:srgbClr val="000000"/>
-            </a:solidFill>
-            <a:miter lim="800000"/>
-            <a:headEnd/>
-            <a:tailEnd/>
-          </a:ln>
-        </p:spPr>
-        <p:txBody>
-          <a:bodyPr vert="horz" wrap="square" lIns="91440" tIns="45720" rIns="91440" bIns="45720" numCol="1" anchor="t" anchorCtr="0" compatLnSpc="1">
-            <a:prstTxWarp prst="textNoShape">
-              <a:avLst/>
-            </a:prstTxWarp>
-          </a:bodyPr>
-          <a:lstStyle/>
-          <a:p>
-            <a:endParaRPr lang="en-US"/>
-          </a:p>
-        </p:txBody>
-      </p:sp>
-      <p:sp>
-        <p:nvSpPr>
-          <p:cNvPr id="17" name="Text Box 25">
-            <a:extLst>
-              <a:ext uri="{FF2B5EF4-FFF2-40B4-BE49-F238E27FC236}">
-                <a16:creationId xmlns:a16="http://schemas.microsoft.com/office/drawing/2014/main" id="{330B5422-BD3F-6943-AAF1-55D2C99C39A5}"/>
-              </a:ext>
-            </a:extLst>
-          </p:cNvPr>
-          <p:cNvSpPr txBox="1">
-            <a:spLocks noChangeArrowheads="1"/>
-          </p:cNvSpPr>
-          <p:nvPr/>
-        </p:nvSpPr>
-        <p:spPr bwMode="auto">
-          <a:xfrm>
-            <a:off x="0" y="2479675"/>
-            <a:ext cx="836613" cy="704850"/>
-          </a:xfrm>
-          <a:prstGeom prst="rect">
-            <a:avLst/>
-          </a:prstGeom>
-          <a:solidFill>
-            <a:srgbClr val="FFFFFF"/>
-          </a:solidFill>
-          <a:ln>
-            <a:noFill/>
-          </a:ln>
-          <a:extLst>
-            <a:ext uri="{91240B29-F687-4F45-9708-019B960494DF}">
-              <a14:hiddenLine xmlns:a14="http://schemas.microsoft.com/office/drawing/2010/main" w="9525">
-                <a:solidFill>
-                  <a:srgbClr val="000000"/>
-                </a:solidFill>
-                <a:miter lim="800000"/>
-                <a:headEnd/>
-                <a:tailEnd/>
-              </a14:hiddenLine>
-            </a:ext>
-          </a:extLst>
-        </p:spPr>
-        <p:txBody>
-          <a:bodyPr vert="horz" wrap="square" lIns="0" tIns="0" rIns="0" bIns="0" numCol="1" anchor="t" anchorCtr="0" compatLnSpc="1">
-            <a:prstTxWarp prst="textNoShape">
-              <a:avLst/>
-            </a:prstTxWarp>
-          </a:bodyPr>
-          <a:lstStyle/>
-          <a:p>
-            <a:pPr marL="0" marR="0" lvl="0" indent="0" algn="l" defTabSz="914400" rtl="0" eaLnBrk="0" fontAlgn="base" latinLnBrk="0" hangingPunct="0">
-              <a:lnSpc>
-                <a:spcPct val="100000"/>
-              </a:lnSpc>
-              <a:spcBef>
-                <a:spcPct val="0"/>
-              </a:spcBef>
-              <a:spcAft>
-                <a:spcPct val="0"/>
-              </a:spcAft>
-              <a:buClrTx/>
-              <a:buSzTx/>
-              <a:buFontTx/>
-              <a:buNone/>
-              <a:tabLst/>
-            </a:pPr>
-            <a:r>
-              <a:rPr kumimoji="0" lang="en-US" altLang="en-US" sz="1000" b="0" i="1" u="none" strike="noStrike" cap="none" normalizeH="0" baseline="0">
-                <a:ln>
-                  <a:noFill/>
-                </a:ln>
-                <a:solidFill>
-                  <a:schemeClr val="tx1"/>
-                </a:solidFill>
-                <a:effectLst/>
-                <a:latin typeface="Arial" panose="020B0604020202020204" pitchFamily="34" charset="0"/>
-                <a:ea typeface="Times New Roman" panose="02020603050405020304" pitchFamily="18" charset="0"/>
-              </a:rPr>
-              <a:t>Prepare Selected</a:t>
-            </a:r>
-            <a:br>
-              <a:rPr kumimoji="0" lang="en-US" altLang="en-US" sz="1000" b="0" i="1" u="none" strike="noStrike" cap="none" normalizeH="0" baseline="0">
-                <a:ln>
-                  <a:noFill/>
-                </a:ln>
-                <a:solidFill>
-                  <a:schemeClr val="tx1"/>
-                </a:solidFill>
-                <a:effectLst/>
-                <a:latin typeface="Arial" panose="020B0604020202020204" pitchFamily="34" charset="0"/>
-                <a:ea typeface="Times New Roman" panose="02020603050405020304" pitchFamily="18" charset="0"/>
-              </a:rPr>
-            </a:br>
-            <a:r>
-              <a:rPr kumimoji="0" lang="en-US" altLang="en-US" sz="1000" b="0" i="1" u="none" strike="noStrike" cap="none" normalizeH="0" baseline="0">
-                <a:ln>
-                  <a:noFill/>
-                </a:ln>
-                <a:solidFill>
-                  <a:schemeClr val="tx1"/>
-                </a:solidFill>
-                <a:effectLst/>
-                <a:latin typeface="Arial" panose="020B0604020202020204" pitchFamily="34" charset="0"/>
-                <a:ea typeface="Times New Roman" panose="02020603050405020304" pitchFamily="18" charset="0"/>
-              </a:rPr>
-              <a:t>Document for Display </a:t>
-            </a:r>
-            <a:endParaRPr kumimoji="0" lang="en-US" altLang="en-US" sz="1800" b="0" i="0" u="none" strike="noStrike" cap="none" normalizeH="0" baseline="0">
-              <a:ln>
-                <a:noFill/>
-              </a:ln>
-              <a:solidFill>
-                <a:schemeClr val="tx1"/>
-              </a:solidFill>
-              <a:effectLst/>
-              <a:latin typeface="Arial" panose="020B0604020202020204" pitchFamily="34" charset="0"/>
-            </a:endParaRPr>
-          </a:p>
-        </p:txBody>
-      </p:sp>
-      <p:sp>
-        <p:nvSpPr>
-          <p:cNvPr id="18" name="Text Box 21">
-            <a:extLst>
-              <a:ext uri="{FF2B5EF4-FFF2-40B4-BE49-F238E27FC236}">
-                <a16:creationId xmlns:a16="http://schemas.microsoft.com/office/drawing/2014/main" id="{33165BED-B3AA-4C41-89AD-B20B533A1AEC}"/>
-              </a:ext>
-            </a:extLst>
-          </p:cNvPr>
-          <p:cNvSpPr txBox="1">
-            <a:spLocks noChangeArrowheads="1"/>
-          </p:cNvSpPr>
-          <p:nvPr/>
-        </p:nvSpPr>
-        <p:spPr bwMode="auto">
-          <a:xfrm>
-            <a:off x="3914775" y="2851150"/>
-            <a:ext cx="1208088" cy="352425"/>
-          </a:xfrm>
-          <a:prstGeom prst="rect">
-            <a:avLst/>
-          </a:prstGeom>
-          <a:solidFill>
-            <a:srgbClr val="FFFFFF"/>
-          </a:solidFill>
-          <a:ln>
-            <a:noFill/>
-          </a:ln>
-          <a:extLst>
-            <a:ext uri="{91240B29-F687-4F45-9708-019B960494DF}">
-              <a14:hiddenLine xmlns:a14="http://schemas.microsoft.com/office/drawing/2010/main" w="9525">
-                <a:solidFill>
-                  <a:srgbClr val="000000"/>
-                </a:solidFill>
-                <a:miter lim="800000"/>
-                <a:headEnd/>
-                <a:tailEnd/>
-              </a14:hiddenLine>
-            </a:ext>
-          </a:extLst>
-        </p:spPr>
-        <p:txBody>
-          <a:bodyPr vert="horz" wrap="square" lIns="0" tIns="0" rIns="0" bIns="0" numCol="1" anchor="t" anchorCtr="0" compatLnSpc="1">
-            <a:prstTxWarp prst="textNoShape">
-              <a:avLst/>
-            </a:prstTxWarp>
-          </a:bodyPr>
-          <a:lstStyle/>
-          <a:p>
-            <a:pPr marL="0" marR="0" lvl="0" indent="0" algn="l" defTabSz="914400" rtl="0" eaLnBrk="0" fontAlgn="base" latinLnBrk="0" hangingPunct="0">
-              <a:lnSpc>
-                <a:spcPct val="100000"/>
-              </a:lnSpc>
-              <a:spcBef>
-                <a:spcPct val="0"/>
-              </a:spcBef>
-              <a:spcAft>
-                <a:spcPct val="0"/>
-              </a:spcAft>
-              <a:buClrTx/>
-              <a:buSzTx/>
-              <a:buFontTx/>
-              <a:buNone/>
-              <a:tabLst/>
-            </a:pPr>
-            <a:r>
-              <a:rPr kumimoji="0" lang="en-US" altLang="en-US" sz="1000" b="0" i="1" u="none" strike="noStrike" cap="none" normalizeH="0" baseline="0">
-                <a:ln>
-                  <a:noFill/>
-                </a:ln>
-                <a:solidFill>
-                  <a:schemeClr val="tx1"/>
-                </a:solidFill>
-                <a:effectLst/>
-                <a:latin typeface="Arial" panose="020B0604020202020204" pitchFamily="34" charset="0"/>
-                <a:ea typeface="Times New Roman" panose="02020603050405020304" pitchFamily="18" charset="0"/>
-              </a:rPr>
-              <a:t>Display</a:t>
-            </a:r>
-            <a:br>
-              <a:rPr kumimoji="0" lang="en-US" altLang="en-US" sz="1000" b="0" i="1" u="none" strike="noStrike" cap="none" normalizeH="0" baseline="0">
-                <a:ln>
-                  <a:noFill/>
-                </a:ln>
-                <a:solidFill>
-                  <a:schemeClr val="tx1"/>
-                </a:solidFill>
-                <a:effectLst/>
-                <a:latin typeface="Arial" panose="020B0604020202020204" pitchFamily="34" charset="0"/>
-                <a:ea typeface="Times New Roman" panose="02020603050405020304" pitchFamily="18" charset="0"/>
-              </a:rPr>
-            </a:br>
-            <a:r>
-              <a:rPr kumimoji="0" lang="en-US" altLang="en-US" sz="1000" b="0" i="1" u="none" strike="noStrike" cap="none" normalizeH="0" baseline="0">
-                <a:ln>
-                  <a:noFill/>
-                </a:ln>
-                <a:solidFill>
-                  <a:schemeClr val="tx1"/>
-                </a:solidFill>
-                <a:effectLst/>
-                <a:latin typeface="Arial" panose="020B0604020202020204" pitchFamily="34" charset="0"/>
-                <a:ea typeface="Times New Roman" panose="02020603050405020304" pitchFamily="18" charset="0"/>
-              </a:rPr>
-              <a:t>Document Content</a:t>
-            </a:r>
-            <a:endParaRPr kumimoji="0" lang="en-US" altLang="en-US" sz="1800" b="0" i="0" u="none" strike="noStrike" cap="none" normalizeH="0" baseline="0">
-              <a:ln>
-                <a:noFill/>
-              </a:ln>
-              <a:solidFill>
-                <a:schemeClr val="tx1"/>
-              </a:solidFill>
-              <a:effectLst/>
-              <a:latin typeface="Arial" panose="020B0604020202020204" pitchFamily="34" charset="0"/>
-            </a:endParaRPr>
-          </a:p>
-        </p:txBody>
-      </p:sp>
-      <p:sp>
-        <p:nvSpPr>
-          <p:cNvPr id="19" name="Text Box 17">
-            <a:extLst>
-              <a:ext uri="{FF2B5EF4-FFF2-40B4-BE49-F238E27FC236}">
-                <a16:creationId xmlns:a16="http://schemas.microsoft.com/office/drawing/2014/main" id="{46C8CAE7-4104-7048-A18A-E21634835AE7}"/>
-              </a:ext>
-            </a:extLst>
-          </p:cNvPr>
-          <p:cNvSpPr txBox="1">
-            <a:spLocks noChangeArrowheads="1"/>
-          </p:cNvSpPr>
-          <p:nvPr/>
-        </p:nvSpPr>
-        <p:spPr bwMode="auto">
-          <a:xfrm>
-            <a:off x="3876675" y="3498850"/>
-            <a:ext cx="1141413" cy="485775"/>
-          </a:xfrm>
-          <a:prstGeom prst="rect">
-            <a:avLst/>
-          </a:prstGeom>
-          <a:solidFill>
-            <a:srgbClr val="FFFFFF"/>
-          </a:solidFill>
-          <a:ln>
-            <a:noFill/>
-          </a:ln>
-          <a:extLst>
-            <a:ext uri="{91240B29-F687-4F45-9708-019B960494DF}">
-              <a14:hiddenLine xmlns:a14="http://schemas.microsoft.com/office/drawing/2010/main" w="9525">
-                <a:solidFill>
-                  <a:srgbClr val="000000"/>
-                </a:solidFill>
-                <a:miter lim="800000"/>
-                <a:headEnd/>
-                <a:tailEnd/>
-              </a14:hiddenLine>
-            </a:ext>
-          </a:extLst>
-        </p:spPr>
-        <p:txBody>
-          <a:bodyPr vert="horz" wrap="square" lIns="0" tIns="0" rIns="0" bIns="0" numCol="1" anchor="t" anchorCtr="0" compatLnSpc="1">
-            <a:prstTxWarp prst="textNoShape">
-              <a:avLst/>
-            </a:prstTxWarp>
-          </a:bodyPr>
-          <a:lstStyle/>
-          <a:p>
-            <a:pPr marL="0" marR="0" lvl="0" indent="0" algn="l" defTabSz="914400" rtl="0" eaLnBrk="0" fontAlgn="base" latinLnBrk="0" hangingPunct="0">
-              <a:lnSpc>
-                <a:spcPct val="100000"/>
-              </a:lnSpc>
-              <a:spcBef>
-                <a:spcPct val="0"/>
-              </a:spcBef>
-              <a:spcAft>
-                <a:spcPct val="0"/>
-              </a:spcAft>
-              <a:buClrTx/>
-              <a:buSzTx/>
-              <a:buFontTx/>
-              <a:buNone/>
-              <a:tabLst/>
-            </a:pPr>
-            <a:r>
-              <a:rPr kumimoji="0" lang="en-US" altLang="en-US" sz="1000" b="0" i="1" u="none" strike="noStrike" cap="none" normalizeH="0" baseline="0">
-                <a:ln>
-                  <a:noFill/>
-                </a:ln>
-                <a:solidFill>
-                  <a:schemeClr val="tx1"/>
-                </a:solidFill>
-                <a:effectLst/>
-                <a:latin typeface="Arial" panose="020B0604020202020204" pitchFamily="34" charset="0"/>
-                <a:ea typeface="Times New Roman" panose="02020603050405020304" pitchFamily="18" charset="0"/>
-              </a:rPr>
-              <a:t>User Requests  a</a:t>
-            </a:r>
-            <a:br>
-              <a:rPr kumimoji="0" lang="en-US" altLang="en-US" sz="1000" b="0" i="1" u="none" strike="noStrike" cap="none" normalizeH="0" baseline="0">
-                <a:ln>
-                  <a:noFill/>
-                </a:ln>
-                <a:solidFill>
-                  <a:schemeClr val="tx1"/>
-                </a:solidFill>
-                <a:effectLst/>
-                <a:latin typeface="Arial" panose="020B0604020202020204" pitchFamily="34" charset="0"/>
-                <a:ea typeface="Times New Roman" panose="02020603050405020304" pitchFamily="18" charset="0"/>
-              </a:rPr>
-            </a:br>
-            <a:r>
-              <a:rPr kumimoji="0" lang="en-US" altLang="en-US" sz="1000" b="0" i="1" u="none" strike="noStrike" cap="none" normalizeH="0" baseline="0">
-                <a:ln>
-                  <a:noFill/>
-                </a:ln>
-                <a:solidFill>
-                  <a:schemeClr val="tx1"/>
-                </a:solidFill>
-                <a:effectLst/>
-                <a:latin typeface="Arial" panose="020B0604020202020204" pitchFamily="34" charset="0"/>
-                <a:ea typeface="Times New Roman" panose="02020603050405020304" pitchFamily="18" charset="0"/>
-              </a:rPr>
-              <a:t>Document referenced in previous document </a:t>
-            </a:r>
-            <a:endParaRPr kumimoji="0" lang="en-US" altLang="en-US" sz="1800" b="0" i="0" u="none" strike="noStrike" cap="none" normalizeH="0" baseline="0">
-              <a:ln>
-                <a:noFill/>
-              </a:ln>
-              <a:solidFill>
-                <a:schemeClr val="tx1"/>
-              </a:solidFill>
-              <a:effectLst/>
-              <a:latin typeface="Arial" panose="020B0604020202020204" pitchFamily="34" charset="0"/>
-            </a:endParaRPr>
-          </a:p>
-        </p:txBody>
-      </p:sp>
-      <p:sp>
-        <p:nvSpPr>
-          <p:cNvPr id="20" name="Rectangle 16">
-            <a:extLst>
-              <a:ext uri="{FF2B5EF4-FFF2-40B4-BE49-F238E27FC236}">
-                <a16:creationId xmlns:a16="http://schemas.microsoft.com/office/drawing/2014/main" id="{EE63E25B-1D22-DB4D-8C39-CBF2D47C2170}"/>
-              </a:ext>
-            </a:extLst>
-          </p:cNvPr>
-          <p:cNvSpPr>
-            <a:spLocks noChangeArrowheads="1"/>
-          </p:cNvSpPr>
-          <p:nvPr/>
-        </p:nvSpPr>
-        <p:spPr bwMode="auto">
-          <a:xfrm>
-            <a:off x="1181100" y="3576638"/>
-            <a:ext cx="182563" cy="741362"/>
-          </a:xfrm>
-          <a:prstGeom prst="rect">
-            <a:avLst/>
-          </a:prstGeom>
-          <a:solidFill>
-            <a:srgbClr val="FFFFFF"/>
-          </a:solidFill>
-          <a:ln w="9525">
-            <a:solidFill>
-              <a:srgbClr val="000000"/>
-            </a:solidFill>
-            <a:miter lim="800000"/>
-            <a:headEnd/>
-            <a:tailEnd/>
-          </a:ln>
-        </p:spPr>
-        <p:txBody>
-          <a:bodyPr vert="horz" wrap="square" lIns="91440" tIns="45720" rIns="91440" bIns="45720" numCol="1" anchor="t" anchorCtr="0" compatLnSpc="1">
-            <a:prstTxWarp prst="textNoShape">
-              <a:avLst/>
-            </a:prstTxWarp>
-          </a:bodyPr>
-          <a:lstStyle/>
-          <a:p>
-            <a:endParaRPr lang="en-US"/>
-          </a:p>
-        </p:txBody>
-      </p:sp>
-      <p:sp>
-        <p:nvSpPr>
-          <p:cNvPr id="21" name="Rectangle 15">
-            <a:extLst>
-              <a:ext uri="{FF2B5EF4-FFF2-40B4-BE49-F238E27FC236}">
-                <a16:creationId xmlns:a16="http://schemas.microsoft.com/office/drawing/2014/main" id="{722ACAE0-98C4-6443-98A3-75B3530EC588}"/>
-              </a:ext>
-            </a:extLst>
-          </p:cNvPr>
-          <p:cNvSpPr>
-            <a:spLocks noChangeArrowheads="1"/>
-          </p:cNvSpPr>
-          <p:nvPr/>
-        </p:nvSpPr>
-        <p:spPr bwMode="auto">
-          <a:xfrm>
-            <a:off x="3343275" y="3576638"/>
-            <a:ext cx="231775" cy="1014412"/>
-          </a:xfrm>
-          <a:prstGeom prst="rect">
-            <a:avLst/>
-          </a:prstGeom>
-          <a:solidFill>
-            <a:srgbClr val="FFFFFF"/>
-          </a:solidFill>
-          <a:ln w="9525">
-            <a:solidFill>
-              <a:srgbClr val="000000"/>
-            </a:solidFill>
-            <a:miter lim="800000"/>
-            <a:headEnd/>
-            <a:tailEnd/>
-          </a:ln>
-        </p:spPr>
-        <p:txBody>
-          <a:bodyPr vert="horz" wrap="square" lIns="91440" tIns="45720" rIns="91440" bIns="45720" numCol="1" anchor="t" anchorCtr="0" compatLnSpc="1">
-            <a:prstTxWarp prst="textNoShape">
-              <a:avLst/>
-            </a:prstTxWarp>
-          </a:bodyPr>
-          <a:lstStyle/>
-          <a:p>
-            <a:endParaRPr lang="en-US"/>
-          </a:p>
-        </p:txBody>
-      </p:sp>
-      <p:sp>
-        <p:nvSpPr>
-          <p:cNvPr id="22" name="Text Box 11">
-            <a:extLst>
-              <a:ext uri="{FF2B5EF4-FFF2-40B4-BE49-F238E27FC236}">
-                <a16:creationId xmlns:a16="http://schemas.microsoft.com/office/drawing/2014/main" id="{31C24C4E-CC2F-8044-83ED-005381AD696F}"/>
-              </a:ext>
-            </a:extLst>
-          </p:cNvPr>
-          <p:cNvSpPr txBox="1">
-            <a:spLocks noChangeArrowheads="1"/>
-          </p:cNvSpPr>
-          <p:nvPr/>
-        </p:nvSpPr>
-        <p:spPr bwMode="auto">
-          <a:xfrm>
-            <a:off x="0" y="3698875"/>
-            <a:ext cx="836613" cy="704850"/>
-          </a:xfrm>
-          <a:prstGeom prst="rect">
-            <a:avLst/>
-          </a:prstGeom>
-          <a:solidFill>
-            <a:srgbClr val="FFFFFF"/>
-          </a:solidFill>
-          <a:ln>
-            <a:noFill/>
-          </a:ln>
-          <a:extLst>
-            <a:ext uri="{91240B29-F687-4F45-9708-019B960494DF}">
-              <a14:hiddenLine xmlns:a14="http://schemas.microsoft.com/office/drawing/2010/main" w="9525">
-                <a:solidFill>
-                  <a:srgbClr val="000000"/>
-                </a:solidFill>
-                <a:miter lim="800000"/>
-                <a:headEnd/>
-                <a:tailEnd/>
-              </a14:hiddenLine>
-            </a:ext>
-          </a:extLst>
-        </p:spPr>
-        <p:txBody>
-          <a:bodyPr vert="horz" wrap="square" lIns="0" tIns="0" rIns="0" bIns="0" numCol="1" anchor="t" anchorCtr="0" compatLnSpc="1">
-            <a:prstTxWarp prst="textNoShape">
-              <a:avLst/>
-            </a:prstTxWarp>
-          </a:bodyPr>
-          <a:lstStyle/>
-          <a:p>
-            <a:pPr marL="0" marR="0" lvl="0" indent="0" algn="l" defTabSz="914400" rtl="0" eaLnBrk="0" fontAlgn="base" latinLnBrk="0" hangingPunct="0">
-              <a:lnSpc>
-                <a:spcPct val="100000"/>
-              </a:lnSpc>
-              <a:spcBef>
-                <a:spcPct val="0"/>
-              </a:spcBef>
-              <a:spcAft>
-                <a:spcPct val="0"/>
-              </a:spcAft>
-              <a:buClrTx/>
-              <a:buSzTx/>
-              <a:buFontTx/>
-              <a:buNone/>
-              <a:tabLst/>
-            </a:pPr>
-            <a:r>
-              <a:rPr kumimoji="0" lang="en-US" altLang="en-US" sz="1000" b="0" i="1" u="none" strike="noStrike" cap="none" normalizeH="0" baseline="0">
-                <a:ln>
-                  <a:noFill/>
-                </a:ln>
-                <a:solidFill>
-                  <a:schemeClr val="tx1"/>
-                </a:solidFill>
-                <a:effectLst/>
-                <a:latin typeface="Arial" panose="020B0604020202020204" pitchFamily="34" charset="0"/>
-                <a:ea typeface="Times New Roman" panose="02020603050405020304" pitchFamily="18" charset="0"/>
-              </a:rPr>
-              <a:t>Prepare Selected</a:t>
-            </a:r>
-            <a:br>
-              <a:rPr kumimoji="0" lang="en-US" altLang="en-US" sz="1000" b="0" i="1" u="none" strike="noStrike" cap="none" normalizeH="0" baseline="0">
-                <a:ln>
-                  <a:noFill/>
-                </a:ln>
-                <a:solidFill>
-                  <a:schemeClr val="tx1"/>
-                </a:solidFill>
-                <a:effectLst/>
-                <a:latin typeface="Arial" panose="020B0604020202020204" pitchFamily="34" charset="0"/>
-                <a:ea typeface="Times New Roman" panose="02020603050405020304" pitchFamily="18" charset="0"/>
-              </a:rPr>
-            </a:br>
-            <a:r>
-              <a:rPr kumimoji="0" lang="en-US" altLang="en-US" sz="1000" b="0" i="1" u="none" strike="noStrike" cap="none" normalizeH="0" baseline="0">
-                <a:ln>
-                  <a:noFill/>
-                </a:ln>
-                <a:solidFill>
-                  <a:schemeClr val="tx1"/>
-                </a:solidFill>
-                <a:effectLst/>
-                <a:latin typeface="Arial" panose="020B0604020202020204" pitchFamily="34" charset="0"/>
-                <a:ea typeface="Times New Roman" panose="02020603050405020304" pitchFamily="18" charset="0"/>
-              </a:rPr>
-              <a:t>Document for Display </a:t>
-            </a:r>
-            <a:endParaRPr kumimoji="0" lang="en-US" altLang="en-US" sz="1800" b="0" i="0" u="none" strike="noStrike" cap="none" normalizeH="0" baseline="0">
-              <a:ln>
-                <a:noFill/>
-              </a:ln>
-              <a:solidFill>
-                <a:schemeClr val="tx1"/>
-              </a:solidFill>
-              <a:effectLst/>
-              <a:latin typeface="Arial" panose="020B0604020202020204" pitchFamily="34" charset="0"/>
-            </a:endParaRPr>
-          </a:p>
-        </p:txBody>
-      </p:sp>
-      <p:sp>
-        <p:nvSpPr>
-          <p:cNvPr id="23" name="Text Box 7">
-            <a:extLst>
-              <a:ext uri="{FF2B5EF4-FFF2-40B4-BE49-F238E27FC236}">
-                <a16:creationId xmlns:a16="http://schemas.microsoft.com/office/drawing/2014/main" id="{77779089-0A91-1249-89A0-5B7A32BE2938}"/>
-              </a:ext>
-            </a:extLst>
-          </p:cNvPr>
-          <p:cNvSpPr txBox="1">
-            <a:spLocks noChangeArrowheads="1"/>
-          </p:cNvSpPr>
-          <p:nvPr/>
-        </p:nvSpPr>
-        <p:spPr bwMode="auto">
-          <a:xfrm>
-            <a:off x="3990975" y="4137025"/>
-            <a:ext cx="788988" cy="485775"/>
-          </a:xfrm>
-          <a:prstGeom prst="rect">
-            <a:avLst/>
-          </a:prstGeom>
-          <a:solidFill>
-            <a:srgbClr val="FFFFFF"/>
-          </a:solidFill>
-          <a:ln>
-            <a:noFill/>
-          </a:ln>
-          <a:extLst>
-            <a:ext uri="{91240B29-F687-4F45-9708-019B960494DF}">
-              <a14:hiddenLine xmlns:a14="http://schemas.microsoft.com/office/drawing/2010/main" w="9525">
-                <a:solidFill>
-                  <a:srgbClr val="000000"/>
-                </a:solidFill>
-                <a:miter lim="800000"/>
-                <a:headEnd/>
-                <a:tailEnd/>
-              </a14:hiddenLine>
-            </a:ext>
-          </a:extLst>
-        </p:spPr>
-        <p:txBody>
-          <a:bodyPr vert="horz" wrap="square" lIns="0" tIns="0" rIns="0" bIns="0" numCol="1" anchor="t" anchorCtr="0" compatLnSpc="1">
-            <a:prstTxWarp prst="textNoShape">
-              <a:avLst/>
-            </a:prstTxWarp>
-          </a:bodyPr>
-          <a:lstStyle/>
-          <a:p>
-            <a:pPr marL="0" marR="0" lvl="0" indent="0" algn="l" defTabSz="914400" rtl="0" eaLnBrk="0" fontAlgn="base" latinLnBrk="0" hangingPunct="0">
-              <a:lnSpc>
-                <a:spcPct val="100000"/>
-              </a:lnSpc>
-              <a:spcBef>
-                <a:spcPct val="0"/>
-              </a:spcBef>
-              <a:spcAft>
-                <a:spcPct val="0"/>
-              </a:spcAft>
-              <a:buClrTx/>
-              <a:buSzTx/>
-              <a:buFontTx/>
-              <a:buNone/>
-              <a:tabLst/>
-            </a:pPr>
-            <a:r>
-              <a:rPr kumimoji="0" lang="en-US" altLang="en-US" sz="1000" b="0" i="1" u="none" strike="noStrike" cap="none" normalizeH="0" baseline="0">
-                <a:ln>
-                  <a:noFill/>
-                </a:ln>
-                <a:solidFill>
-                  <a:schemeClr val="tx1"/>
-                </a:solidFill>
-                <a:effectLst/>
-                <a:latin typeface="Arial" panose="020B0604020202020204" pitchFamily="34" charset="0"/>
-                <a:ea typeface="Times New Roman" panose="02020603050405020304" pitchFamily="18" charset="0"/>
-              </a:rPr>
-              <a:t>Display</a:t>
-            </a:r>
-            <a:br>
-              <a:rPr kumimoji="0" lang="en-US" altLang="en-US" sz="1000" b="0" i="1" u="none" strike="noStrike" cap="none" normalizeH="0" baseline="0">
-                <a:ln>
-                  <a:noFill/>
-                </a:ln>
-                <a:solidFill>
-                  <a:schemeClr val="tx1"/>
-                </a:solidFill>
-                <a:effectLst/>
-                <a:latin typeface="Arial" panose="020B0604020202020204" pitchFamily="34" charset="0"/>
-                <a:ea typeface="Times New Roman" panose="02020603050405020304" pitchFamily="18" charset="0"/>
-              </a:rPr>
-            </a:br>
-            <a:r>
-              <a:rPr kumimoji="0" lang="en-US" altLang="en-US" sz="1000" b="0" i="1" u="none" strike="noStrike" cap="none" normalizeH="0" baseline="0">
-                <a:ln>
-                  <a:noFill/>
-                </a:ln>
-                <a:solidFill>
-                  <a:schemeClr val="tx1"/>
-                </a:solidFill>
-                <a:effectLst/>
-                <a:latin typeface="Arial" panose="020B0604020202020204" pitchFamily="34" charset="0"/>
-                <a:ea typeface="Times New Roman" panose="02020603050405020304" pitchFamily="18" charset="0"/>
-              </a:rPr>
-              <a:t>Document Content</a:t>
-            </a:r>
-            <a:endParaRPr kumimoji="0" lang="en-US" altLang="en-US" sz="1800" b="0" i="0" u="none" strike="noStrike" cap="none" normalizeH="0" baseline="0">
-              <a:ln>
-                <a:noFill/>
-              </a:ln>
-              <a:solidFill>
-                <a:schemeClr val="tx1"/>
-              </a:solidFill>
-              <a:effectLst/>
-              <a:latin typeface="Arial" panose="020B0604020202020204" pitchFamily="34" charset="0"/>
-            </a:endParaRPr>
-          </a:p>
-        </p:txBody>
-      </p:sp>
-      <p:sp>
-        <p:nvSpPr>
-          <p:cNvPr id="24" name="Text Box 6">
-            <a:extLst>
-              <a:ext uri="{FF2B5EF4-FFF2-40B4-BE49-F238E27FC236}">
-                <a16:creationId xmlns:a16="http://schemas.microsoft.com/office/drawing/2014/main" id="{D740F7E4-D0D9-4F4C-AE0C-86D3C3614837}"/>
-              </a:ext>
-            </a:extLst>
-          </p:cNvPr>
-          <p:cNvSpPr txBox="1">
-            <a:spLocks noChangeArrowheads="1"/>
-          </p:cNvSpPr>
-          <p:nvPr/>
-        </p:nvSpPr>
-        <p:spPr bwMode="auto">
-          <a:xfrm>
-            <a:off x="1743075" y="2362200"/>
+            <a:off x="1790700" y="3514725"/>
             <a:ext cx="1182688" cy="342900"/>
           </a:xfrm>
           <a:prstGeom prst="rect">
@@ -5207,8 +5344,9 @@
                   <a:schemeClr val="tx1"/>
                 </a:solidFill>
                 <a:effectLst/>
-                <a:latin typeface="Arial" panose="020B0604020202020204" pitchFamily="34" charset="0"/>
+                <a:latin typeface="Times New Roman" panose="02020603050405020304" pitchFamily="18" charset="0"/>
                 <a:ea typeface="Times New Roman" panose="02020603050405020304" pitchFamily="18" charset="0"/>
+                <a:cs typeface="Times New Roman" panose="02020603050405020304" pitchFamily="18" charset="0"/>
               </a:rPr>
               <a:t>Retrieve Document for Display [ITI-12]</a:t>
             </a:r>
@@ -5220,99 +5358,8 @@
                 <a:schemeClr val="tx1"/>
               </a:solidFill>
               <a:effectLst/>
-              <a:latin typeface="Arial" panose="020B0604020202020204" pitchFamily="34" charset="0"/>
-            </a:endParaRPr>
-          </a:p>
-        </p:txBody>
-      </p:sp>
-      <p:sp>
-        <p:nvSpPr>
-          <p:cNvPr id="25" name="Text Box 5">
-            <a:extLst>
-              <a:ext uri="{FF2B5EF4-FFF2-40B4-BE49-F238E27FC236}">
-                <a16:creationId xmlns:a16="http://schemas.microsoft.com/office/drawing/2014/main" id="{D28F36D4-BDCA-D941-A2D6-478BDB7149BF}"/>
-              </a:ext>
-            </a:extLst>
-          </p:cNvPr>
-          <p:cNvSpPr txBox="1">
-            <a:spLocks noChangeArrowheads="1"/>
-          </p:cNvSpPr>
-          <p:nvPr/>
-        </p:nvSpPr>
-        <p:spPr bwMode="auto">
-          <a:xfrm>
-            <a:off x="1790700" y="3514725"/>
-            <a:ext cx="1182688" cy="342900"/>
-          </a:xfrm>
-          <a:prstGeom prst="rect">
-            <a:avLst/>
-          </a:prstGeom>
-          <a:solidFill>
-            <a:srgbClr val="FFFFFF"/>
-          </a:solidFill>
-          <a:ln>
-            <a:noFill/>
-          </a:ln>
-          <a:extLst>
-            <a:ext uri="{91240B29-F687-4F45-9708-019B960494DF}">
-              <a14:hiddenLine xmlns:a14="http://schemas.microsoft.com/office/drawing/2010/main" w="9525">
-                <a:solidFill>
-                  <a:srgbClr val="000000"/>
-                </a:solidFill>
-                <a:miter lim="800000"/>
-                <a:headEnd/>
-                <a:tailEnd/>
-              </a14:hiddenLine>
-            </a:ext>
-          </a:extLst>
-        </p:spPr>
-        <p:txBody>
-          <a:bodyPr vert="horz" wrap="square" lIns="0" tIns="0" rIns="0" bIns="0" numCol="1" anchor="t" anchorCtr="0" compatLnSpc="1">
-            <a:prstTxWarp prst="textNoShape">
-              <a:avLst/>
-            </a:prstTxWarp>
-          </a:bodyPr>
-          <a:lstStyle/>
-          <a:p>
-            <a:pPr marL="0" marR="0" lvl="0" indent="0" algn="l" defTabSz="914400" rtl="0" eaLnBrk="0" fontAlgn="base" latinLnBrk="0" hangingPunct="0">
-              <a:lnSpc>
-                <a:spcPct val="100000"/>
-              </a:lnSpc>
-              <a:spcBef>
-                <a:spcPct val="0"/>
-              </a:spcBef>
-              <a:spcAft>
-                <a:spcPct val="0"/>
-              </a:spcAft>
-              <a:buClrTx/>
-              <a:buSzTx/>
-              <a:buFontTx/>
-              <a:buNone/>
-              <a:tabLst/>
-            </a:pPr>
-            <a:r>
-              <a:rPr kumimoji="0" lang="en-US" altLang="en-US" sz="1000" b="0" i="0" u="none" strike="noStrike" cap="none" normalizeH="0" baseline="0">
-                <a:ln>
-                  <a:noFill/>
-                </a:ln>
-                <a:solidFill>
-                  <a:schemeClr val="tx1"/>
-                </a:solidFill>
-                <a:effectLst/>
-                <a:latin typeface="Arial" panose="020B0604020202020204" pitchFamily="34" charset="0"/>
-                <a:ea typeface="Times New Roman" panose="02020603050405020304" pitchFamily="18" charset="0"/>
-              </a:rPr>
-              <a:t>Retrieve Document for Display [ITI-12]</a:t>
-            </a:r>
-            <a:endParaRPr kumimoji="0" lang="en-US" altLang="en-US" sz="1800" b="0" i="0" u="none" strike="noStrike" cap="none" normalizeH="0" baseline="0">
-              <a:ln>
-                <a:noFill/>
-              </a:ln>
-              <a:solidFill>
-                <a:schemeClr val="tx1"/>
-              </a:solidFill>
-              <a:effectLst/>
-              <a:latin typeface="Arial" panose="020B0604020202020204" pitchFamily="34" charset="0"/>
+              <a:latin typeface="Times New Roman" panose="02020603050405020304" pitchFamily="18" charset="0"/>
+              <a:cs typeface="Times New Roman" panose="02020603050405020304" pitchFamily="18" charset="0"/>
             </a:endParaRPr>
           </a:p>
         </p:txBody>
@@ -6916,6 +6963,1302 @@
           </a:p>
         </p:txBody>
       </p:sp>
+      <p:sp>
+        <p:nvSpPr>
+          <p:cNvPr id="57" name="Line 23">
+            <a:extLst>
+              <a:ext uri="{FF2B5EF4-FFF2-40B4-BE49-F238E27FC236}">
+                <a16:creationId xmlns:a16="http://schemas.microsoft.com/office/drawing/2014/main" id="{F14679A3-4CBC-E94E-8D3C-FBC6016C86FE}"/>
+              </a:ext>
+            </a:extLst>
+          </p:cNvPr>
+          <p:cNvSpPr>
+            <a:spLocks noChangeShapeType="1"/>
+          </p:cNvSpPr>
+          <p:nvPr/>
+        </p:nvSpPr>
+        <p:spPr bwMode="auto">
+          <a:xfrm flipH="1">
+            <a:off x="3565584" y="1367013"/>
+            <a:ext cx="296418" cy="0"/>
+          </a:xfrm>
+          <a:prstGeom prst="line">
+            <a:avLst/>
+          </a:prstGeom>
+          <a:noFill/>
+          <a:ln w="9525">
+            <a:solidFill>
+              <a:srgbClr val="000000"/>
+            </a:solidFill>
+            <a:round/>
+            <a:headEnd/>
+            <a:tailEnd type="triangle" w="med" len="med"/>
+          </a:ln>
+          <a:extLst>
+            <a:ext uri="{909E8E84-426E-40DD-AFC4-6F175D3DCCD1}">
+              <a14:hiddenFill xmlns:a14="http://schemas.microsoft.com/office/drawing/2010/main">
+                <a:noFill/>
+              </a14:hiddenFill>
+            </a:ext>
+          </a:extLst>
+        </p:spPr>
+        <p:txBody>
+          <a:bodyPr vert="horz" wrap="square" lIns="91440" tIns="45720" rIns="91440" bIns="45720" numCol="1" anchor="t" anchorCtr="0" compatLnSpc="1">
+            <a:prstTxWarp prst="textNoShape">
+              <a:avLst/>
+            </a:prstTxWarp>
+          </a:bodyPr>
+          <a:lstStyle/>
+          <a:p>
+            <a:endParaRPr lang="en-US"/>
+          </a:p>
+        </p:txBody>
+      </p:sp>
+      <p:cxnSp>
+        <p:nvCxnSpPr>
+          <p:cNvPr id="58" name="Straight Connector 57">
+            <a:extLst>
+              <a:ext uri="{FF2B5EF4-FFF2-40B4-BE49-F238E27FC236}">
+                <a16:creationId xmlns:a16="http://schemas.microsoft.com/office/drawing/2014/main" id="{6EE64426-2050-124B-8D24-BB08DB35454B}"/>
+              </a:ext>
+            </a:extLst>
+          </p:cNvPr>
+          <p:cNvCxnSpPr>
+            <a:cxnSpLocks/>
+          </p:cNvCxnSpPr>
+          <p:nvPr/>
+        </p:nvCxnSpPr>
+        <p:spPr>
+          <a:xfrm>
+            <a:off x="3872393" y="1124556"/>
+            <a:ext cx="0" cy="242457"/>
+          </a:xfrm>
+          <a:prstGeom prst="line">
+            <a:avLst/>
+          </a:prstGeom>
+          <a:ln w="12700">
+            <a:solidFill>
+              <a:schemeClr val="tx1"/>
+            </a:solidFill>
+          </a:ln>
+        </p:spPr>
+        <p:style>
+          <a:lnRef idx="1">
+            <a:schemeClr val="accent1"/>
+          </a:lnRef>
+          <a:fillRef idx="0">
+            <a:schemeClr val="accent1"/>
+          </a:fillRef>
+          <a:effectRef idx="0">
+            <a:schemeClr val="accent1"/>
+          </a:effectRef>
+          <a:fontRef idx="minor">
+            <a:schemeClr val="tx1"/>
+          </a:fontRef>
+        </p:style>
+      </p:cxnSp>
+      <p:cxnSp>
+        <p:nvCxnSpPr>
+          <p:cNvPr id="59" name="Straight Connector 58">
+            <a:extLst>
+              <a:ext uri="{FF2B5EF4-FFF2-40B4-BE49-F238E27FC236}">
+                <a16:creationId xmlns:a16="http://schemas.microsoft.com/office/drawing/2014/main" id="{C076F7F6-4F81-6443-9F8F-597C48E252BE}"/>
+              </a:ext>
+            </a:extLst>
+          </p:cNvPr>
+          <p:cNvCxnSpPr>
+            <a:cxnSpLocks/>
+          </p:cNvCxnSpPr>
+          <p:nvPr/>
+        </p:nvCxnSpPr>
+        <p:spPr>
+          <a:xfrm flipH="1">
+            <a:off x="3548267" y="1124557"/>
+            <a:ext cx="324127" cy="0"/>
+          </a:xfrm>
+          <a:prstGeom prst="line">
+            <a:avLst/>
+          </a:prstGeom>
+          <a:ln w="12700">
+            <a:solidFill>
+              <a:schemeClr val="tx1"/>
+            </a:solidFill>
+          </a:ln>
+        </p:spPr>
+        <p:style>
+          <a:lnRef idx="1">
+            <a:schemeClr val="accent1"/>
+          </a:lnRef>
+          <a:fillRef idx="0">
+            <a:schemeClr val="accent1"/>
+          </a:fillRef>
+          <a:effectRef idx="0">
+            <a:schemeClr val="accent1"/>
+          </a:effectRef>
+          <a:fontRef idx="minor">
+            <a:schemeClr val="tx1"/>
+          </a:fontRef>
+        </p:style>
+      </p:cxnSp>
+      <p:sp>
+        <p:nvSpPr>
+          <p:cNvPr id="60" name="Line 23">
+            <a:extLst>
+              <a:ext uri="{FF2B5EF4-FFF2-40B4-BE49-F238E27FC236}">
+                <a16:creationId xmlns:a16="http://schemas.microsoft.com/office/drawing/2014/main" id="{F305A7C4-DEBF-0942-86B2-16BFDC831755}"/>
+              </a:ext>
+            </a:extLst>
+          </p:cNvPr>
+          <p:cNvSpPr>
+            <a:spLocks noChangeShapeType="1"/>
+          </p:cNvSpPr>
+          <p:nvPr/>
+        </p:nvSpPr>
+        <p:spPr bwMode="auto">
+          <a:xfrm flipH="1">
+            <a:off x="3595323" y="2467266"/>
+            <a:ext cx="296418" cy="0"/>
+          </a:xfrm>
+          <a:prstGeom prst="line">
+            <a:avLst/>
+          </a:prstGeom>
+          <a:noFill/>
+          <a:ln w="9525">
+            <a:solidFill>
+              <a:srgbClr val="000000"/>
+            </a:solidFill>
+            <a:round/>
+            <a:headEnd/>
+            <a:tailEnd type="triangle" w="med" len="med"/>
+          </a:ln>
+          <a:extLst>
+            <a:ext uri="{909E8E84-426E-40DD-AFC4-6F175D3DCCD1}">
+              <a14:hiddenFill xmlns:a14="http://schemas.microsoft.com/office/drawing/2010/main">
+                <a:noFill/>
+              </a14:hiddenFill>
+            </a:ext>
+          </a:extLst>
+        </p:spPr>
+        <p:txBody>
+          <a:bodyPr vert="horz" wrap="square" lIns="91440" tIns="45720" rIns="91440" bIns="45720" numCol="1" anchor="t" anchorCtr="0" compatLnSpc="1">
+            <a:prstTxWarp prst="textNoShape">
+              <a:avLst/>
+            </a:prstTxWarp>
+          </a:bodyPr>
+          <a:lstStyle/>
+          <a:p>
+            <a:endParaRPr lang="en-US"/>
+          </a:p>
+        </p:txBody>
+      </p:sp>
+      <p:cxnSp>
+        <p:nvCxnSpPr>
+          <p:cNvPr id="61" name="Straight Connector 60">
+            <a:extLst>
+              <a:ext uri="{FF2B5EF4-FFF2-40B4-BE49-F238E27FC236}">
+                <a16:creationId xmlns:a16="http://schemas.microsoft.com/office/drawing/2014/main" id="{D158817F-0785-D546-A2D1-DF60759DAA99}"/>
+              </a:ext>
+            </a:extLst>
+          </p:cNvPr>
+          <p:cNvCxnSpPr>
+            <a:cxnSpLocks/>
+          </p:cNvCxnSpPr>
+          <p:nvPr/>
+        </p:nvCxnSpPr>
+        <p:spPr>
+          <a:xfrm>
+            <a:off x="3902132" y="2224809"/>
+            <a:ext cx="0" cy="242457"/>
+          </a:xfrm>
+          <a:prstGeom prst="line">
+            <a:avLst/>
+          </a:prstGeom>
+          <a:ln w="12700">
+            <a:solidFill>
+              <a:schemeClr val="tx1"/>
+            </a:solidFill>
+          </a:ln>
+        </p:spPr>
+        <p:style>
+          <a:lnRef idx="1">
+            <a:schemeClr val="accent1"/>
+          </a:lnRef>
+          <a:fillRef idx="0">
+            <a:schemeClr val="accent1"/>
+          </a:fillRef>
+          <a:effectRef idx="0">
+            <a:schemeClr val="accent1"/>
+          </a:effectRef>
+          <a:fontRef idx="minor">
+            <a:schemeClr val="tx1"/>
+          </a:fontRef>
+        </p:style>
+      </p:cxnSp>
+      <p:cxnSp>
+        <p:nvCxnSpPr>
+          <p:cNvPr id="62" name="Straight Connector 61">
+            <a:extLst>
+              <a:ext uri="{FF2B5EF4-FFF2-40B4-BE49-F238E27FC236}">
+                <a16:creationId xmlns:a16="http://schemas.microsoft.com/office/drawing/2014/main" id="{3F5DB860-87FE-2A44-9736-750F160D65E7}"/>
+              </a:ext>
+            </a:extLst>
+          </p:cNvPr>
+          <p:cNvCxnSpPr>
+            <a:cxnSpLocks/>
+          </p:cNvCxnSpPr>
+          <p:nvPr/>
+        </p:nvCxnSpPr>
+        <p:spPr>
+          <a:xfrm flipH="1">
+            <a:off x="3578006" y="2224810"/>
+            <a:ext cx="324127" cy="0"/>
+          </a:xfrm>
+          <a:prstGeom prst="line">
+            <a:avLst/>
+          </a:prstGeom>
+          <a:ln w="12700">
+            <a:solidFill>
+              <a:schemeClr val="tx1"/>
+            </a:solidFill>
+          </a:ln>
+        </p:spPr>
+        <p:style>
+          <a:lnRef idx="1">
+            <a:schemeClr val="accent1"/>
+          </a:lnRef>
+          <a:fillRef idx="0">
+            <a:schemeClr val="accent1"/>
+          </a:fillRef>
+          <a:effectRef idx="0">
+            <a:schemeClr val="accent1"/>
+          </a:effectRef>
+          <a:fontRef idx="minor">
+            <a:schemeClr val="tx1"/>
+          </a:fontRef>
+        </p:style>
+      </p:cxnSp>
+      <p:sp>
+        <p:nvSpPr>
+          <p:cNvPr id="63" name="Line 23">
+            <a:extLst>
+              <a:ext uri="{FF2B5EF4-FFF2-40B4-BE49-F238E27FC236}">
+                <a16:creationId xmlns:a16="http://schemas.microsoft.com/office/drawing/2014/main" id="{C73754BF-9713-2A45-928C-D8005C1990A5}"/>
+              </a:ext>
+            </a:extLst>
+          </p:cNvPr>
+          <p:cNvSpPr>
+            <a:spLocks noChangeShapeType="1"/>
+          </p:cNvSpPr>
+          <p:nvPr/>
+        </p:nvSpPr>
+        <p:spPr bwMode="auto">
+          <a:xfrm flipH="1">
+            <a:off x="3584171" y="3861165"/>
+            <a:ext cx="296418" cy="0"/>
+          </a:xfrm>
+          <a:prstGeom prst="line">
+            <a:avLst/>
+          </a:prstGeom>
+          <a:noFill/>
+          <a:ln w="9525">
+            <a:solidFill>
+              <a:srgbClr val="000000"/>
+            </a:solidFill>
+            <a:round/>
+            <a:headEnd/>
+            <a:tailEnd type="triangle" w="med" len="med"/>
+          </a:ln>
+          <a:extLst>
+            <a:ext uri="{909E8E84-426E-40DD-AFC4-6F175D3DCCD1}">
+              <a14:hiddenFill xmlns:a14="http://schemas.microsoft.com/office/drawing/2010/main">
+                <a:noFill/>
+              </a14:hiddenFill>
+            </a:ext>
+          </a:extLst>
+        </p:spPr>
+        <p:txBody>
+          <a:bodyPr vert="horz" wrap="square" lIns="91440" tIns="45720" rIns="91440" bIns="45720" numCol="1" anchor="t" anchorCtr="0" compatLnSpc="1">
+            <a:prstTxWarp prst="textNoShape">
+              <a:avLst/>
+            </a:prstTxWarp>
+          </a:bodyPr>
+          <a:lstStyle/>
+          <a:p>
+            <a:endParaRPr lang="en-US"/>
+          </a:p>
+        </p:txBody>
+      </p:sp>
+      <p:cxnSp>
+        <p:nvCxnSpPr>
+          <p:cNvPr id="64" name="Straight Connector 63">
+            <a:extLst>
+              <a:ext uri="{FF2B5EF4-FFF2-40B4-BE49-F238E27FC236}">
+                <a16:creationId xmlns:a16="http://schemas.microsoft.com/office/drawing/2014/main" id="{372653E3-D9A9-2A44-AB5A-E24734B106E5}"/>
+              </a:ext>
+            </a:extLst>
+          </p:cNvPr>
+          <p:cNvCxnSpPr>
+            <a:cxnSpLocks/>
+          </p:cNvCxnSpPr>
+          <p:nvPr/>
+        </p:nvCxnSpPr>
+        <p:spPr>
+          <a:xfrm>
+            <a:off x="3890980" y="3618708"/>
+            <a:ext cx="0" cy="242457"/>
+          </a:xfrm>
+          <a:prstGeom prst="line">
+            <a:avLst/>
+          </a:prstGeom>
+          <a:ln w="12700">
+            <a:solidFill>
+              <a:schemeClr val="tx1"/>
+            </a:solidFill>
+          </a:ln>
+        </p:spPr>
+        <p:style>
+          <a:lnRef idx="1">
+            <a:schemeClr val="accent1"/>
+          </a:lnRef>
+          <a:fillRef idx="0">
+            <a:schemeClr val="accent1"/>
+          </a:fillRef>
+          <a:effectRef idx="0">
+            <a:schemeClr val="accent1"/>
+          </a:effectRef>
+          <a:fontRef idx="minor">
+            <a:schemeClr val="tx1"/>
+          </a:fontRef>
+        </p:style>
+      </p:cxnSp>
+      <p:cxnSp>
+        <p:nvCxnSpPr>
+          <p:cNvPr id="65" name="Straight Connector 64">
+            <a:extLst>
+              <a:ext uri="{FF2B5EF4-FFF2-40B4-BE49-F238E27FC236}">
+                <a16:creationId xmlns:a16="http://schemas.microsoft.com/office/drawing/2014/main" id="{B72F3B48-2522-4F46-AC1B-7E35127B0A16}"/>
+              </a:ext>
+            </a:extLst>
+          </p:cNvPr>
+          <p:cNvCxnSpPr>
+            <a:cxnSpLocks/>
+          </p:cNvCxnSpPr>
+          <p:nvPr/>
+        </p:nvCxnSpPr>
+        <p:spPr>
+          <a:xfrm flipH="1">
+            <a:off x="3566854" y="3618709"/>
+            <a:ext cx="324127" cy="0"/>
+          </a:xfrm>
+          <a:prstGeom prst="line">
+            <a:avLst/>
+          </a:prstGeom>
+          <a:ln w="12700">
+            <a:solidFill>
+              <a:schemeClr val="tx1"/>
+            </a:solidFill>
+          </a:ln>
+        </p:spPr>
+        <p:style>
+          <a:lnRef idx="1">
+            <a:schemeClr val="accent1"/>
+          </a:lnRef>
+          <a:fillRef idx="0">
+            <a:schemeClr val="accent1"/>
+          </a:fillRef>
+          <a:effectRef idx="0">
+            <a:schemeClr val="accent1"/>
+          </a:effectRef>
+          <a:fontRef idx="minor">
+            <a:schemeClr val="tx1"/>
+          </a:fontRef>
+        </p:style>
+      </p:cxnSp>
+      <p:sp>
+        <p:nvSpPr>
+          <p:cNvPr id="66" name="Line 23">
+            <a:extLst>
+              <a:ext uri="{FF2B5EF4-FFF2-40B4-BE49-F238E27FC236}">
+                <a16:creationId xmlns:a16="http://schemas.microsoft.com/office/drawing/2014/main" id="{9C091E0D-CEC1-3C46-9693-6BCC364C4CDE}"/>
+              </a:ext>
+            </a:extLst>
+          </p:cNvPr>
+          <p:cNvSpPr>
+            <a:spLocks noChangeShapeType="1"/>
+          </p:cNvSpPr>
+          <p:nvPr/>
+        </p:nvSpPr>
+        <p:spPr bwMode="auto">
+          <a:xfrm flipH="1">
+            <a:off x="3557130" y="1778267"/>
+            <a:ext cx="296418" cy="0"/>
+          </a:xfrm>
+          <a:prstGeom prst="line">
+            <a:avLst/>
+          </a:prstGeom>
+          <a:noFill/>
+          <a:ln w="9525">
+            <a:solidFill>
+              <a:srgbClr val="000000"/>
+            </a:solidFill>
+            <a:round/>
+            <a:headEnd/>
+            <a:tailEnd type="triangle" w="med" len="med"/>
+          </a:ln>
+          <a:extLst>
+            <a:ext uri="{909E8E84-426E-40DD-AFC4-6F175D3DCCD1}">
+              <a14:hiddenFill xmlns:a14="http://schemas.microsoft.com/office/drawing/2010/main">
+                <a:noFill/>
+              </a14:hiddenFill>
+            </a:ext>
+          </a:extLst>
+        </p:spPr>
+        <p:txBody>
+          <a:bodyPr vert="horz" wrap="square" lIns="91440" tIns="45720" rIns="91440" bIns="45720" numCol="1" anchor="t" anchorCtr="0" compatLnSpc="1">
+            <a:prstTxWarp prst="textNoShape">
+              <a:avLst/>
+            </a:prstTxWarp>
+          </a:bodyPr>
+          <a:lstStyle/>
+          <a:p>
+            <a:endParaRPr lang="en-US"/>
+          </a:p>
+        </p:txBody>
+      </p:sp>
+      <p:cxnSp>
+        <p:nvCxnSpPr>
+          <p:cNvPr id="67" name="Straight Connector 66">
+            <a:extLst>
+              <a:ext uri="{FF2B5EF4-FFF2-40B4-BE49-F238E27FC236}">
+                <a16:creationId xmlns:a16="http://schemas.microsoft.com/office/drawing/2014/main" id="{61C9DEE9-033A-4F4D-A3FC-A0F7938E540B}"/>
+              </a:ext>
+            </a:extLst>
+          </p:cNvPr>
+          <p:cNvCxnSpPr>
+            <a:cxnSpLocks/>
+          </p:cNvCxnSpPr>
+          <p:nvPr/>
+        </p:nvCxnSpPr>
+        <p:spPr>
+          <a:xfrm>
+            <a:off x="3863939" y="1582302"/>
+            <a:ext cx="0" cy="195965"/>
+          </a:xfrm>
+          <a:prstGeom prst="line">
+            <a:avLst/>
+          </a:prstGeom>
+          <a:ln w="12700">
+            <a:solidFill>
+              <a:schemeClr val="tx1"/>
+            </a:solidFill>
+          </a:ln>
+        </p:spPr>
+        <p:style>
+          <a:lnRef idx="1">
+            <a:schemeClr val="accent1"/>
+          </a:lnRef>
+          <a:fillRef idx="0">
+            <a:schemeClr val="accent1"/>
+          </a:fillRef>
+          <a:effectRef idx="0">
+            <a:schemeClr val="accent1"/>
+          </a:effectRef>
+          <a:fontRef idx="minor">
+            <a:schemeClr val="tx1"/>
+          </a:fontRef>
+        </p:style>
+      </p:cxnSp>
+      <p:cxnSp>
+        <p:nvCxnSpPr>
+          <p:cNvPr id="68" name="Straight Connector 67">
+            <a:extLst>
+              <a:ext uri="{FF2B5EF4-FFF2-40B4-BE49-F238E27FC236}">
+                <a16:creationId xmlns:a16="http://schemas.microsoft.com/office/drawing/2014/main" id="{54D35A51-C258-984B-9BDA-7B5613DBDEBD}"/>
+              </a:ext>
+            </a:extLst>
+          </p:cNvPr>
+          <p:cNvCxnSpPr>
+            <a:cxnSpLocks/>
+          </p:cNvCxnSpPr>
+          <p:nvPr/>
+        </p:nvCxnSpPr>
+        <p:spPr>
+          <a:xfrm flipH="1">
+            <a:off x="3539813" y="1591231"/>
+            <a:ext cx="324127" cy="0"/>
+          </a:xfrm>
+          <a:prstGeom prst="line">
+            <a:avLst/>
+          </a:prstGeom>
+          <a:ln w="12700">
+            <a:solidFill>
+              <a:schemeClr val="tx1"/>
+            </a:solidFill>
+          </a:ln>
+        </p:spPr>
+        <p:style>
+          <a:lnRef idx="1">
+            <a:schemeClr val="accent1"/>
+          </a:lnRef>
+          <a:fillRef idx="0">
+            <a:schemeClr val="accent1"/>
+          </a:fillRef>
+          <a:effectRef idx="0">
+            <a:schemeClr val="accent1"/>
+          </a:effectRef>
+          <a:fontRef idx="minor">
+            <a:schemeClr val="tx1"/>
+          </a:fontRef>
+        </p:style>
+      </p:cxnSp>
+      <p:sp>
+        <p:nvSpPr>
+          <p:cNvPr id="69" name="Line 23">
+            <a:extLst>
+              <a:ext uri="{FF2B5EF4-FFF2-40B4-BE49-F238E27FC236}">
+                <a16:creationId xmlns:a16="http://schemas.microsoft.com/office/drawing/2014/main" id="{AB1657E1-9E97-6549-98C2-56EEA8476D59}"/>
+              </a:ext>
+            </a:extLst>
+          </p:cNvPr>
+          <p:cNvSpPr>
+            <a:spLocks noChangeShapeType="1"/>
+          </p:cNvSpPr>
+          <p:nvPr/>
+        </p:nvSpPr>
+        <p:spPr bwMode="auto">
+          <a:xfrm flipH="1">
+            <a:off x="3590583" y="3082958"/>
+            <a:ext cx="296418" cy="0"/>
+          </a:xfrm>
+          <a:prstGeom prst="line">
+            <a:avLst/>
+          </a:prstGeom>
+          <a:noFill/>
+          <a:ln w="9525">
+            <a:solidFill>
+              <a:srgbClr val="000000"/>
+            </a:solidFill>
+            <a:round/>
+            <a:headEnd/>
+            <a:tailEnd type="triangle" w="med" len="med"/>
+          </a:ln>
+          <a:extLst>
+            <a:ext uri="{909E8E84-426E-40DD-AFC4-6F175D3DCCD1}">
+              <a14:hiddenFill xmlns:a14="http://schemas.microsoft.com/office/drawing/2010/main">
+                <a:noFill/>
+              </a14:hiddenFill>
+            </a:ext>
+          </a:extLst>
+        </p:spPr>
+        <p:txBody>
+          <a:bodyPr vert="horz" wrap="square" lIns="91440" tIns="45720" rIns="91440" bIns="45720" numCol="1" anchor="t" anchorCtr="0" compatLnSpc="1">
+            <a:prstTxWarp prst="textNoShape">
+              <a:avLst/>
+            </a:prstTxWarp>
+          </a:bodyPr>
+          <a:lstStyle/>
+          <a:p>
+            <a:endParaRPr lang="en-US"/>
+          </a:p>
+        </p:txBody>
+      </p:sp>
+      <p:cxnSp>
+        <p:nvCxnSpPr>
+          <p:cNvPr id="70" name="Straight Connector 69">
+            <a:extLst>
+              <a:ext uri="{FF2B5EF4-FFF2-40B4-BE49-F238E27FC236}">
+                <a16:creationId xmlns:a16="http://schemas.microsoft.com/office/drawing/2014/main" id="{86204CDF-C677-1349-92C1-6D522D87292A}"/>
+              </a:ext>
+            </a:extLst>
+          </p:cNvPr>
+          <p:cNvCxnSpPr>
+            <a:cxnSpLocks/>
+          </p:cNvCxnSpPr>
+          <p:nvPr/>
+        </p:nvCxnSpPr>
+        <p:spPr>
+          <a:xfrm>
+            <a:off x="3897392" y="2886993"/>
+            <a:ext cx="0" cy="195965"/>
+          </a:xfrm>
+          <a:prstGeom prst="line">
+            <a:avLst/>
+          </a:prstGeom>
+          <a:ln w="12700">
+            <a:solidFill>
+              <a:schemeClr val="tx1"/>
+            </a:solidFill>
+          </a:ln>
+        </p:spPr>
+        <p:style>
+          <a:lnRef idx="1">
+            <a:schemeClr val="accent1"/>
+          </a:lnRef>
+          <a:fillRef idx="0">
+            <a:schemeClr val="accent1"/>
+          </a:fillRef>
+          <a:effectRef idx="0">
+            <a:schemeClr val="accent1"/>
+          </a:effectRef>
+          <a:fontRef idx="minor">
+            <a:schemeClr val="tx1"/>
+          </a:fontRef>
+        </p:style>
+      </p:cxnSp>
+      <p:cxnSp>
+        <p:nvCxnSpPr>
+          <p:cNvPr id="71" name="Straight Connector 70">
+            <a:extLst>
+              <a:ext uri="{FF2B5EF4-FFF2-40B4-BE49-F238E27FC236}">
+                <a16:creationId xmlns:a16="http://schemas.microsoft.com/office/drawing/2014/main" id="{093C273E-0856-FA43-8331-4213D4270058}"/>
+              </a:ext>
+            </a:extLst>
+          </p:cNvPr>
+          <p:cNvCxnSpPr>
+            <a:cxnSpLocks/>
+          </p:cNvCxnSpPr>
+          <p:nvPr/>
+        </p:nvCxnSpPr>
+        <p:spPr>
+          <a:xfrm flipH="1">
+            <a:off x="3573266" y="2895922"/>
+            <a:ext cx="324127" cy="0"/>
+          </a:xfrm>
+          <a:prstGeom prst="line">
+            <a:avLst/>
+          </a:prstGeom>
+          <a:ln w="12700">
+            <a:solidFill>
+              <a:schemeClr val="tx1"/>
+            </a:solidFill>
+          </a:ln>
+        </p:spPr>
+        <p:style>
+          <a:lnRef idx="1">
+            <a:schemeClr val="accent1"/>
+          </a:lnRef>
+          <a:fillRef idx="0">
+            <a:schemeClr val="accent1"/>
+          </a:fillRef>
+          <a:effectRef idx="0">
+            <a:schemeClr val="accent1"/>
+          </a:effectRef>
+          <a:fontRef idx="minor">
+            <a:schemeClr val="tx1"/>
+          </a:fontRef>
+        </p:style>
+      </p:cxnSp>
+      <p:sp>
+        <p:nvSpPr>
+          <p:cNvPr id="72" name="Line 23">
+            <a:extLst>
+              <a:ext uri="{FF2B5EF4-FFF2-40B4-BE49-F238E27FC236}">
+                <a16:creationId xmlns:a16="http://schemas.microsoft.com/office/drawing/2014/main" id="{2C407F27-9E20-D743-AFD7-902751F9C402}"/>
+              </a:ext>
+            </a:extLst>
+          </p:cNvPr>
+          <p:cNvSpPr>
+            <a:spLocks noChangeShapeType="1"/>
+          </p:cNvSpPr>
+          <p:nvPr/>
+        </p:nvSpPr>
+        <p:spPr bwMode="auto">
+          <a:xfrm flipH="1">
+            <a:off x="3590583" y="4443404"/>
+            <a:ext cx="296418" cy="0"/>
+          </a:xfrm>
+          <a:prstGeom prst="line">
+            <a:avLst/>
+          </a:prstGeom>
+          <a:noFill/>
+          <a:ln w="9525">
+            <a:solidFill>
+              <a:srgbClr val="000000"/>
+            </a:solidFill>
+            <a:round/>
+            <a:headEnd/>
+            <a:tailEnd type="triangle" w="med" len="med"/>
+          </a:ln>
+          <a:extLst>
+            <a:ext uri="{909E8E84-426E-40DD-AFC4-6F175D3DCCD1}">
+              <a14:hiddenFill xmlns:a14="http://schemas.microsoft.com/office/drawing/2010/main">
+                <a:noFill/>
+              </a14:hiddenFill>
+            </a:ext>
+          </a:extLst>
+        </p:spPr>
+        <p:txBody>
+          <a:bodyPr vert="horz" wrap="square" lIns="91440" tIns="45720" rIns="91440" bIns="45720" numCol="1" anchor="t" anchorCtr="0" compatLnSpc="1">
+            <a:prstTxWarp prst="textNoShape">
+              <a:avLst/>
+            </a:prstTxWarp>
+          </a:bodyPr>
+          <a:lstStyle/>
+          <a:p>
+            <a:endParaRPr lang="en-US"/>
+          </a:p>
+        </p:txBody>
+      </p:sp>
+      <p:cxnSp>
+        <p:nvCxnSpPr>
+          <p:cNvPr id="73" name="Straight Connector 72">
+            <a:extLst>
+              <a:ext uri="{FF2B5EF4-FFF2-40B4-BE49-F238E27FC236}">
+                <a16:creationId xmlns:a16="http://schemas.microsoft.com/office/drawing/2014/main" id="{CB52BC30-D456-0745-AF2B-F2074E24B655}"/>
+              </a:ext>
+            </a:extLst>
+          </p:cNvPr>
+          <p:cNvCxnSpPr>
+            <a:cxnSpLocks/>
+          </p:cNvCxnSpPr>
+          <p:nvPr/>
+        </p:nvCxnSpPr>
+        <p:spPr>
+          <a:xfrm>
+            <a:off x="3897392" y="4247439"/>
+            <a:ext cx="0" cy="195965"/>
+          </a:xfrm>
+          <a:prstGeom prst="line">
+            <a:avLst/>
+          </a:prstGeom>
+          <a:ln w="12700">
+            <a:solidFill>
+              <a:schemeClr val="tx1"/>
+            </a:solidFill>
+          </a:ln>
+        </p:spPr>
+        <p:style>
+          <a:lnRef idx="1">
+            <a:schemeClr val="accent1"/>
+          </a:lnRef>
+          <a:fillRef idx="0">
+            <a:schemeClr val="accent1"/>
+          </a:fillRef>
+          <a:effectRef idx="0">
+            <a:schemeClr val="accent1"/>
+          </a:effectRef>
+          <a:fontRef idx="minor">
+            <a:schemeClr val="tx1"/>
+          </a:fontRef>
+        </p:style>
+      </p:cxnSp>
+      <p:cxnSp>
+        <p:nvCxnSpPr>
+          <p:cNvPr id="74" name="Straight Connector 73">
+            <a:extLst>
+              <a:ext uri="{FF2B5EF4-FFF2-40B4-BE49-F238E27FC236}">
+                <a16:creationId xmlns:a16="http://schemas.microsoft.com/office/drawing/2014/main" id="{788832C5-64DE-3448-9B2D-59B3EC4D599A}"/>
+              </a:ext>
+            </a:extLst>
+          </p:cNvPr>
+          <p:cNvCxnSpPr>
+            <a:cxnSpLocks/>
+          </p:cNvCxnSpPr>
+          <p:nvPr/>
+        </p:nvCxnSpPr>
+        <p:spPr>
+          <a:xfrm flipH="1">
+            <a:off x="3573266" y="4256368"/>
+            <a:ext cx="324127" cy="0"/>
+          </a:xfrm>
+          <a:prstGeom prst="line">
+            <a:avLst/>
+          </a:prstGeom>
+          <a:ln w="12700">
+            <a:solidFill>
+              <a:schemeClr val="tx1"/>
+            </a:solidFill>
+          </a:ln>
+        </p:spPr>
+        <p:style>
+          <a:lnRef idx="1">
+            <a:schemeClr val="accent1"/>
+          </a:lnRef>
+          <a:fillRef idx="0">
+            <a:schemeClr val="accent1"/>
+          </a:fillRef>
+          <a:effectRef idx="0">
+            <a:schemeClr val="accent1"/>
+          </a:effectRef>
+          <a:fontRef idx="minor">
+            <a:schemeClr val="tx1"/>
+          </a:fontRef>
+        </p:style>
+      </p:cxnSp>
+      <p:grpSp>
+        <p:nvGrpSpPr>
+          <p:cNvPr id="75" name="Group 74">
+            <a:extLst>
+              <a:ext uri="{FF2B5EF4-FFF2-40B4-BE49-F238E27FC236}">
+                <a16:creationId xmlns:a16="http://schemas.microsoft.com/office/drawing/2014/main" id="{C3037CF9-CEDB-C148-B35B-786FE315BFB2}"/>
+              </a:ext>
+            </a:extLst>
+          </p:cNvPr>
+          <p:cNvGrpSpPr/>
+          <p:nvPr/>
+        </p:nvGrpSpPr>
+        <p:grpSpPr>
+          <a:xfrm flipH="1">
+            <a:off x="854284" y="1386043"/>
+            <a:ext cx="324127" cy="242457"/>
+            <a:chOff x="3555709" y="3740033"/>
+            <a:chExt cx="324127" cy="242457"/>
+          </a:xfrm>
+        </p:grpSpPr>
+        <p:sp>
+          <p:nvSpPr>
+            <p:cNvPr id="76" name="Line 23">
+              <a:extLst>
+                <a:ext uri="{FF2B5EF4-FFF2-40B4-BE49-F238E27FC236}">
+                  <a16:creationId xmlns:a16="http://schemas.microsoft.com/office/drawing/2014/main" id="{94DA974F-C969-CA46-B2F2-34B21CD56D73}"/>
+                </a:ext>
+              </a:extLst>
+            </p:cNvPr>
+            <p:cNvSpPr>
+              <a:spLocks noChangeShapeType="1"/>
+            </p:cNvSpPr>
+            <p:nvPr/>
+          </p:nvSpPr>
+          <p:spPr bwMode="auto">
+            <a:xfrm flipH="1" flipV="1">
+              <a:off x="3573026" y="3982490"/>
+              <a:ext cx="296418" cy="0"/>
+            </a:xfrm>
+            <a:prstGeom prst="line">
+              <a:avLst/>
+            </a:prstGeom>
+            <a:noFill/>
+            <a:ln w="9525">
+              <a:solidFill>
+                <a:srgbClr val="000000"/>
+              </a:solidFill>
+              <a:round/>
+              <a:headEnd/>
+              <a:tailEnd type="triangle" w="med" len="med"/>
+            </a:ln>
+            <a:extLst>
+              <a:ext uri="{909E8E84-426E-40DD-AFC4-6F175D3DCCD1}">
+                <a14:hiddenFill xmlns:a14="http://schemas.microsoft.com/office/drawing/2010/main">
+                  <a:noFill/>
+                </a14:hiddenFill>
+              </a:ext>
+            </a:extLst>
+          </p:spPr>
+          <p:txBody>
+            <a:bodyPr vert="horz" wrap="square" lIns="91440" tIns="45720" rIns="91440" bIns="45720" numCol="1" anchor="t" anchorCtr="0" compatLnSpc="1">
+              <a:prstTxWarp prst="textNoShape">
+                <a:avLst/>
+              </a:prstTxWarp>
+            </a:bodyPr>
+            <a:lstStyle/>
+            <a:p>
+              <a:endParaRPr lang="en-US"/>
+            </a:p>
+          </p:txBody>
+        </p:sp>
+        <p:cxnSp>
+          <p:nvCxnSpPr>
+            <p:cNvPr id="77" name="Straight Connector 76">
+              <a:extLst>
+                <a:ext uri="{FF2B5EF4-FFF2-40B4-BE49-F238E27FC236}">
+                  <a16:creationId xmlns:a16="http://schemas.microsoft.com/office/drawing/2014/main" id="{9412930B-3485-7E48-A28C-0E63220A5C4D}"/>
+                </a:ext>
+              </a:extLst>
+            </p:cNvPr>
+            <p:cNvCxnSpPr>
+              <a:cxnSpLocks/>
+            </p:cNvCxnSpPr>
+            <p:nvPr/>
+          </p:nvCxnSpPr>
+          <p:spPr>
+            <a:xfrm flipV="1">
+              <a:off x="3879835" y="3740033"/>
+              <a:ext cx="0" cy="242457"/>
+            </a:xfrm>
+            <a:prstGeom prst="line">
+              <a:avLst/>
+            </a:prstGeom>
+            <a:ln w="12700">
+              <a:solidFill>
+                <a:schemeClr val="tx1"/>
+              </a:solidFill>
+            </a:ln>
+          </p:spPr>
+          <p:style>
+            <a:lnRef idx="1">
+              <a:schemeClr val="accent1"/>
+            </a:lnRef>
+            <a:fillRef idx="0">
+              <a:schemeClr val="accent1"/>
+            </a:fillRef>
+            <a:effectRef idx="0">
+              <a:schemeClr val="accent1"/>
+            </a:effectRef>
+            <a:fontRef idx="minor">
+              <a:schemeClr val="tx1"/>
+            </a:fontRef>
+          </p:style>
+        </p:cxnSp>
+        <p:cxnSp>
+          <p:nvCxnSpPr>
+            <p:cNvPr id="78" name="Straight Connector 77">
+              <a:extLst>
+                <a:ext uri="{FF2B5EF4-FFF2-40B4-BE49-F238E27FC236}">
+                  <a16:creationId xmlns:a16="http://schemas.microsoft.com/office/drawing/2014/main" id="{133FB496-4129-4143-A80F-877A20615E76}"/>
+                </a:ext>
+              </a:extLst>
+            </p:cNvPr>
+            <p:cNvCxnSpPr>
+              <a:cxnSpLocks/>
+            </p:cNvCxnSpPr>
+            <p:nvPr/>
+          </p:nvCxnSpPr>
+          <p:spPr>
+            <a:xfrm flipH="1" flipV="1">
+              <a:off x="3555709" y="3740034"/>
+              <a:ext cx="324127" cy="0"/>
+            </a:xfrm>
+            <a:prstGeom prst="line">
+              <a:avLst/>
+            </a:prstGeom>
+            <a:ln w="12700">
+              <a:solidFill>
+                <a:schemeClr val="tx1"/>
+              </a:solidFill>
+            </a:ln>
+          </p:spPr>
+          <p:style>
+            <a:lnRef idx="1">
+              <a:schemeClr val="accent1"/>
+            </a:lnRef>
+            <a:fillRef idx="0">
+              <a:schemeClr val="accent1"/>
+            </a:fillRef>
+            <a:effectRef idx="0">
+              <a:schemeClr val="accent1"/>
+            </a:effectRef>
+            <a:fontRef idx="minor">
+              <a:schemeClr val="tx1"/>
+            </a:fontRef>
+          </p:style>
+        </p:cxnSp>
+      </p:grpSp>
+      <p:grpSp>
+        <p:nvGrpSpPr>
+          <p:cNvPr id="79" name="Group 78">
+            <a:extLst>
+              <a:ext uri="{FF2B5EF4-FFF2-40B4-BE49-F238E27FC236}">
+                <a16:creationId xmlns:a16="http://schemas.microsoft.com/office/drawing/2014/main" id="{1DECE7BE-DEC1-0241-813F-5A7AA58D1624}"/>
+              </a:ext>
+            </a:extLst>
+          </p:cNvPr>
+          <p:cNvGrpSpPr/>
+          <p:nvPr/>
+        </p:nvGrpSpPr>
+        <p:grpSpPr>
+          <a:xfrm flipH="1">
+            <a:off x="862010" y="2567996"/>
+            <a:ext cx="324127" cy="242457"/>
+            <a:chOff x="3555709" y="3740033"/>
+            <a:chExt cx="324127" cy="242457"/>
+          </a:xfrm>
+        </p:grpSpPr>
+        <p:sp>
+          <p:nvSpPr>
+            <p:cNvPr id="80" name="Line 23">
+              <a:extLst>
+                <a:ext uri="{FF2B5EF4-FFF2-40B4-BE49-F238E27FC236}">
+                  <a16:creationId xmlns:a16="http://schemas.microsoft.com/office/drawing/2014/main" id="{D40FE184-3F14-6042-B690-B76890BC6843}"/>
+                </a:ext>
+              </a:extLst>
+            </p:cNvPr>
+            <p:cNvSpPr>
+              <a:spLocks noChangeShapeType="1"/>
+            </p:cNvSpPr>
+            <p:nvPr/>
+          </p:nvSpPr>
+          <p:spPr bwMode="auto">
+            <a:xfrm flipH="1" flipV="1">
+              <a:off x="3573026" y="3982490"/>
+              <a:ext cx="296418" cy="0"/>
+            </a:xfrm>
+            <a:prstGeom prst="line">
+              <a:avLst/>
+            </a:prstGeom>
+            <a:noFill/>
+            <a:ln w="9525">
+              <a:solidFill>
+                <a:srgbClr val="000000"/>
+              </a:solidFill>
+              <a:round/>
+              <a:headEnd/>
+              <a:tailEnd type="triangle" w="med" len="med"/>
+            </a:ln>
+            <a:extLst>
+              <a:ext uri="{909E8E84-426E-40DD-AFC4-6F175D3DCCD1}">
+                <a14:hiddenFill xmlns:a14="http://schemas.microsoft.com/office/drawing/2010/main">
+                  <a:noFill/>
+                </a14:hiddenFill>
+              </a:ext>
+            </a:extLst>
+          </p:spPr>
+          <p:txBody>
+            <a:bodyPr vert="horz" wrap="square" lIns="91440" tIns="45720" rIns="91440" bIns="45720" numCol="1" anchor="t" anchorCtr="0" compatLnSpc="1">
+              <a:prstTxWarp prst="textNoShape">
+                <a:avLst/>
+              </a:prstTxWarp>
+            </a:bodyPr>
+            <a:lstStyle/>
+            <a:p>
+              <a:endParaRPr lang="en-US"/>
+            </a:p>
+          </p:txBody>
+        </p:sp>
+        <p:cxnSp>
+          <p:nvCxnSpPr>
+            <p:cNvPr id="81" name="Straight Connector 80">
+              <a:extLst>
+                <a:ext uri="{FF2B5EF4-FFF2-40B4-BE49-F238E27FC236}">
+                  <a16:creationId xmlns:a16="http://schemas.microsoft.com/office/drawing/2014/main" id="{BE916534-AB3C-3240-9F99-6259D38A80AD}"/>
+                </a:ext>
+              </a:extLst>
+            </p:cNvPr>
+            <p:cNvCxnSpPr>
+              <a:cxnSpLocks/>
+            </p:cNvCxnSpPr>
+            <p:nvPr/>
+          </p:nvCxnSpPr>
+          <p:spPr>
+            <a:xfrm flipV="1">
+              <a:off x="3879835" y="3740033"/>
+              <a:ext cx="0" cy="242457"/>
+            </a:xfrm>
+            <a:prstGeom prst="line">
+              <a:avLst/>
+            </a:prstGeom>
+            <a:ln w="12700">
+              <a:solidFill>
+                <a:schemeClr val="tx1"/>
+              </a:solidFill>
+            </a:ln>
+          </p:spPr>
+          <p:style>
+            <a:lnRef idx="1">
+              <a:schemeClr val="accent1"/>
+            </a:lnRef>
+            <a:fillRef idx="0">
+              <a:schemeClr val="accent1"/>
+            </a:fillRef>
+            <a:effectRef idx="0">
+              <a:schemeClr val="accent1"/>
+            </a:effectRef>
+            <a:fontRef idx="minor">
+              <a:schemeClr val="tx1"/>
+            </a:fontRef>
+          </p:style>
+        </p:cxnSp>
+        <p:cxnSp>
+          <p:nvCxnSpPr>
+            <p:cNvPr id="82" name="Straight Connector 81">
+              <a:extLst>
+                <a:ext uri="{FF2B5EF4-FFF2-40B4-BE49-F238E27FC236}">
+                  <a16:creationId xmlns:a16="http://schemas.microsoft.com/office/drawing/2014/main" id="{2CC548D8-6BBB-3245-9A8B-0645F79C7003}"/>
+                </a:ext>
+              </a:extLst>
+            </p:cNvPr>
+            <p:cNvCxnSpPr>
+              <a:cxnSpLocks/>
+            </p:cNvCxnSpPr>
+            <p:nvPr/>
+          </p:nvCxnSpPr>
+          <p:spPr>
+            <a:xfrm flipH="1" flipV="1">
+              <a:off x="3555709" y="3740034"/>
+              <a:ext cx="324127" cy="0"/>
+            </a:xfrm>
+            <a:prstGeom prst="line">
+              <a:avLst/>
+            </a:prstGeom>
+            <a:ln w="12700">
+              <a:solidFill>
+                <a:schemeClr val="tx1"/>
+              </a:solidFill>
+            </a:ln>
+          </p:spPr>
+          <p:style>
+            <a:lnRef idx="1">
+              <a:schemeClr val="accent1"/>
+            </a:lnRef>
+            <a:fillRef idx="0">
+              <a:schemeClr val="accent1"/>
+            </a:fillRef>
+            <a:effectRef idx="0">
+              <a:schemeClr val="accent1"/>
+            </a:effectRef>
+            <a:fontRef idx="minor">
+              <a:schemeClr val="tx1"/>
+            </a:fontRef>
+          </p:style>
+        </p:cxnSp>
+      </p:grpSp>
+      <p:grpSp>
+        <p:nvGrpSpPr>
+          <p:cNvPr id="83" name="Group 82">
+            <a:extLst>
+              <a:ext uri="{FF2B5EF4-FFF2-40B4-BE49-F238E27FC236}">
+                <a16:creationId xmlns:a16="http://schemas.microsoft.com/office/drawing/2014/main" id="{96D05A6D-5C11-A64F-B2E9-5BA7A891A3D2}"/>
+              </a:ext>
+            </a:extLst>
+          </p:cNvPr>
+          <p:cNvGrpSpPr/>
+          <p:nvPr/>
+        </p:nvGrpSpPr>
+        <p:grpSpPr>
+          <a:xfrm flipH="1">
+            <a:off x="845734" y="3826090"/>
+            <a:ext cx="324127" cy="242457"/>
+            <a:chOff x="3555709" y="3740033"/>
+            <a:chExt cx="324127" cy="242457"/>
+          </a:xfrm>
+        </p:grpSpPr>
+        <p:sp>
+          <p:nvSpPr>
+            <p:cNvPr id="84" name="Line 23">
+              <a:extLst>
+                <a:ext uri="{FF2B5EF4-FFF2-40B4-BE49-F238E27FC236}">
+                  <a16:creationId xmlns:a16="http://schemas.microsoft.com/office/drawing/2014/main" id="{FD082156-882C-5846-A61A-A46765F48C94}"/>
+                </a:ext>
+              </a:extLst>
+            </p:cNvPr>
+            <p:cNvSpPr>
+              <a:spLocks noChangeShapeType="1"/>
+            </p:cNvSpPr>
+            <p:nvPr/>
+          </p:nvSpPr>
+          <p:spPr bwMode="auto">
+            <a:xfrm flipH="1" flipV="1">
+              <a:off x="3573026" y="3982490"/>
+              <a:ext cx="296418" cy="0"/>
+            </a:xfrm>
+            <a:prstGeom prst="line">
+              <a:avLst/>
+            </a:prstGeom>
+            <a:noFill/>
+            <a:ln w="9525">
+              <a:solidFill>
+                <a:srgbClr val="000000"/>
+              </a:solidFill>
+              <a:round/>
+              <a:headEnd/>
+              <a:tailEnd type="triangle" w="med" len="med"/>
+            </a:ln>
+            <a:extLst>
+              <a:ext uri="{909E8E84-426E-40DD-AFC4-6F175D3DCCD1}">
+                <a14:hiddenFill xmlns:a14="http://schemas.microsoft.com/office/drawing/2010/main">
+                  <a:noFill/>
+                </a14:hiddenFill>
+              </a:ext>
+            </a:extLst>
+          </p:spPr>
+          <p:txBody>
+            <a:bodyPr vert="horz" wrap="square" lIns="91440" tIns="45720" rIns="91440" bIns="45720" numCol="1" anchor="t" anchorCtr="0" compatLnSpc="1">
+              <a:prstTxWarp prst="textNoShape">
+                <a:avLst/>
+              </a:prstTxWarp>
+            </a:bodyPr>
+            <a:lstStyle/>
+            <a:p>
+              <a:endParaRPr lang="en-US"/>
+            </a:p>
+          </p:txBody>
+        </p:sp>
+        <p:cxnSp>
+          <p:nvCxnSpPr>
+            <p:cNvPr id="85" name="Straight Connector 84">
+              <a:extLst>
+                <a:ext uri="{FF2B5EF4-FFF2-40B4-BE49-F238E27FC236}">
+                  <a16:creationId xmlns:a16="http://schemas.microsoft.com/office/drawing/2014/main" id="{F0968A5D-58DA-3142-91C9-062CE322C9F5}"/>
+                </a:ext>
+              </a:extLst>
+            </p:cNvPr>
+            <p:cNvCxnSpPr>
+              <a:cxnSpLocks/>
+            </p:cNvCxnSpPr>
+            <p:nvPr/>
+          </p:nvCxnSpPr>
+          <p:spPr>
+            <a:xfrm flipV="1">
+              <a:off x="3879835" y="3740033"/>
+              <a:ext cx="0" cy="242457"/>
+            </a:xfrm>
+            <a:prstGeom prst="line">
+              <a:avLst/>
+            </a:prstGeom>
+            <a:ln w="12700">
+              <a:solidFill>
+                <a:schemeClr val="tx1"/>
+              </a:solidFill>
+            </a:ln>
+          </p:spPr>
+          <p:style>
+            <a:lnRef idx="1">
+              <a:schemeClr val="accent1"/>
+            </a:lnRef>
+            <a:fillRef idx="0">
+              <a:schemeClr val="accent1"/>
+            </a:fillRef>
+            <a:effectRef idx="0">
+              <a:schemeClr val="accent1"/>
+            </a:effectRef>
+            <a:fontRef idx="minor">
+              <a:schemeClr val="tx1"/>
+            </a:fontRef>
+          </p:style>
+        </p:cxnSp>
+        <p:cxnSp>
+          <p:nvCxnSpPr>
+            <p:cNvPr id="86" name="Straight Connector 85">
+              <a:extLst>
+                <a:ext uri="{FF2B5EF4-FFF2-40B4-BE49-F238E27FC236}">
+                  <a16:creationId xmlns:a16="http://schemas.microsoft.com/office/drawing/2014/main" id="{CA8C8075-3E50-9B49-8C4D-BD49840A120D}"/>
+                </a:ext>
+              </a:extLst>
+            </p:cNvPr>
+            <p:cNvCxnSpPr>
+              <a:cxnSpLocks/>
+            </p:cNvCxnSpPr>
+            <p:nvPr/>
+          </p:nvCxnSpPr>
+          <p:spPr>
+            <a:xfrm flipH="1" flipV="1">
+              <a:off x="3555709" y="3740034"/>
+              <a:ext cx="324127" cy="0"/>
+            </a:xfrm>
+            <a:prstGeom prst="line">
+              <a:avLst/>
+            </a:prstGeom>
+            <a:ln w="12700">
+              <a:solidFill>
+                <a:schemeClr val="tx1"/>
+              </a:solidFill>
+            </a:ln>
+          </p:spPr>
+          <p:style>
+            <a:lnRef idx="1">
+              <a:schemeClr val="accent1"/>
+            </a:lnRef>
+            <a:fillRef idx="0">
+              <a:schemeClr val="accent1"/>
+            </a:fillRef>
+            <a:effectRef idx="0">
+              <a:schemeClr val="accent1"/>
+            </a:effectRef>
+            <a:fontRef idx="minor">
+              <a:schemeClr val="tx1"/>
+            </a:fontRef>
+          </p:style>
+        </p:cxnSp>
+      </p:grpSp>
     </p:spTree>
     <p:extLst>
       <p:ext uri="{BB962C8B-B14F-4D97-AF65-F5344CB8AC3E}">
